--- a/Assignment_01/Assignment_04_Presentation.pptx
+++ b/Assignment_01/Assignment_04_Presentation.pptx
@@ -5,17 +5,18 @@
     <p:sldMasterId id="2147483648" r:id="rId1"/>
   </p:sldMasterIdLst>
   <p:sldIdLst>
-    <p:sldId id="256" r:id="rId7"/>
-    <p:sldId id="257" r:id="rId8"/>
-    <p:sldId id="258" r:id="rId9"/>
-    <p:sldId id="259" r:id="rId10"/>
-    <p:sldId id="260" r:id="rId11"/>
-    <p:sldId id="261" r:id="rId12"/>
-    <p:sldId id="262" r:id="rId13"/>
-    <p:sldId id="263" r:id="rId14"/>
-    <p:sldId id="264" r:id="rId15"/>
-    <p:sldId id="265" r:id="rId16"/>
-    <p:sldId id="266" r:id="rId17"/>
+    <p:sldId id="267" r:id="rId2"/>
+    <p:sldId id="256" r:id="rId3"/>
+    <p:sldId id="257" r:id="rId4"/>
+    <p:sldId id="258" r:id="rId5"/>
+    <p:sldId id="259" r:id="rId6"/>
+    <p:sldId id="260" r:id="rId7"/>
+    <p:sldId id="261" r:id="rId8"/>
+    <p:sldId id="262" r:id="rId9"/>
+    <p:sldId id="263" r:id="rId10"/>
+    <p:sldId id="264" r:id="rId11"/>
+    <p:sldId id="265" r:id="rId12"/>
+    <p:sldId id="266" r:id="rId13"/>
   </p:sldIdLst>
   <p:sldSz cx="9144000" cy="6858000" type="screen4x3"/>
   <p:notesSz cx="6858000" cy="9144000"/>
@@ -114,6 +115,22 @@
       </a:defRPr>
     </a:lvl9pPr>
   </p:defaultTextStyle>
+  <p:extLst>
+    <p:ext uri="{EFAFB233-063F-42B5-8137-9DF3F51BA10A}">
+      <p15:sldGuideLst xmlns:p15="http://schemas.microsoft.com/office/powerpoint/2012/main">
+        <p15:guide id="1" orient="horz" pos="2160">
+          <p15:clr>
+            <a:srgbClr val="A4A3A4"/>
+          </p15:clr>
+        </p15:guide>
+        <p15:guide id="2" pos="2880">
+          <p15:clr>
+            <a:srgbClr val="A4A3A4"/>
+          </p15:clr>
+        </p15:guide>
+      </p15:sldGuideLst>
+    </p:ext>
+  </p:extLst>
 </p:presentation>
 </file>
 
@@ -155,10 +172,9 @@
           <a:lstStyle/>
           <a:p>
             <a:r>
-              <a:rPr lang="en-US" smtClean="0"/>
+              <a:rPr lang="en-US"/>
               <a:t>Click to edit Master title style</a:t>
             </a:r>
-            <a:endParaRPr lang="en-US"/>
           </a:p>
         </p:txBody>
       </p:sp>
@@ -274,10 +290,9 @@
           </a:lstStyle>
           <a:p>
             <a:r>
-              <a:rPr lang="en-US" smtClean="0"/>
+              <a:rPr lang="en-US"/>
               <a:t>Click to edit Master subtitle style</a:t>
             </a:r>
-            <a:endParaRPr lang="en-US"/>
           </a:p>
         </p:txBody>
       </p:sp>
@@ -298,7 +313,7 @@
           <a:p>
             <a:fld id="{5BCAD085-E8A6-8845-BD4E-CB4CCA059FC4}" type="datetimeFigureOut">
               <a:rPr lang="en-US" smtClean="0"/>
-              <a:t>1/27/13</a:t>
+              <a:t>1/18/2026</a:t>
             </a:fld>
             <a:endParaRPr lang="en-US"/>
           </a:p>
@@ -392,10 +407,9 @@
           <a:lstStyle/>
           <a:p>
             <a:r>
-              <a:rPr lang="en-US" smtClean="0"/>
+              <a:rPr lang="en-US"/>
               <a:t>Click to edit Master title style</a:t>
             </a:r>
-            <a:endParaRPr lang="en-US"/>
           </a:p>
         </p:txBody>
       </p:sp>
@@ -416,38 +430,37 @@
           <a:p>
             <a:pPr lvl="0"/>
             <a:r>
-              <a:rPr lang="en-US" smtClean="0"/>
+              <a:rPr lang="en-US"/>
               <a:t>Click to edit Master text styles</a:t>
             </a:r>
           </a:p>
           <a:p>
             <a:pPr lvl="1"/>
             <a:r>
-              <a:rPr lang="en-US" smtClean="0"/>
+              <a:rPr lang="en-US"/>
               <a:t>Second level</a:t>
             </a:r>
           </a:p>
           <a:p>
             <a:pPr lvl="2"/>
             <a:r>
-              <a:rPr lang="en-US" smtClean="0"/>
+              <a:rPr lang="en-US"/>
               <a:t>Third level</a:t>
             </a:r>
           </a:p>
           <a:p>
             <a:pPr lvl="3"/>
             <a:r>
-              <a:rPr lang="en-US" smtClean="0"/>
+              <a:rPr lang="en-US"/>
               <a:t>Fourth level</a:t>
             </a:r>
           </a:p>
           <a:p>
             <a:pPr lvl="4"/>
             <a:r>
-              <a:rPr lang="en-US" smtClean="0"/>
+              <a:rPr lang="en-US"/>
               <a:t>Fifth level</a:t>
             </a:r>
-            <a:endParaRPr lang="en-US"/>
           </a:p>
         </p:txBody>
       </p:sp>
@@ -468,7 +481,7 @@
           <a:p>
             <a:fld id="{5BCAD085-E8A6-8845-BD4E-CB4CCA059FC4}" type="datetimeFigureOut">
               <a:rPr lang="en-US" smtClean="0"/>
-              <a:t>1/27/13</a:t>
+              <a:t>1/18/2026</a:t>
             </a:fld>
             <a:endParaRPr lang="en-US"/>
           </a:p>
@@ -567,10 +580,9 @@
           <a:lstStyle/>
           <a:p>
             <a:r>
-              <a:rPr lang="en-US" smtClean="0"/>
+              <a:rPr lang="en-US"/>
               <a:t>Click to edit Master title style</a:t>
             </a:r>
-            <a:endParaRPr lang="en-US"/>
           </a:p>
         </p:txBody>
       </p:sp>
@@ -596,38 +608,37 @@
           <a:p>
             <a:pPr lvl="0"/>
             <a:r>
-              <a:rPr lang="en-US" smtClean="0"/>
+              <a:rPr lang="en-US"/>
               <a:t>Click to edit Master text styles</a:t>
             </a:r>
           </a:p>
           <a:p>
             <a:pPr lvl="1"/>
             <a:r>
-              <a:rPr lang="en-US" smtClean="0"/>
+              <a:rPr lang="en-US"/>
               <a:t>Second level</a:t>
             </a:r>
           </a:p>
           <a:p>
             <a:pPr lvl="2"/>
             <a:r>
-              <a:rPr lang="en-US" smtClean="0"/>
+              <a:rPr lang="en-US"/>
               <a:t>Third level</a:t>
             </a:r>
           </a:p>
           <a:p>
             <a:pPr lvl="3"/>
             <a:r>
-              <a:rPr lang="en-US" smtClean="0"/>
+              <a:rPr lang="en-US"/>
               <a:t>Fourth level</a:t>
             </a:r>
           </a:p>
           <a:p>
             <a:pPr lvl="4"/>
             <a:r>
-              <a:rPr lang="en-US" smtClean="0"/>
+              <a:rPr lang="en-US"/>
               <a:t>Fifth level</a:t>
             </a:r>
-            <a:endParaRPr lang="en-US"/>
           </a:p>
         </p:txBody>
       </p:sp>
@@ -648,7 +659,7 @@
           <a:p>
             <a:fld id="{5BCAD085-E8A6-8845-BD4E-CB4CCA059FC4}" type="datetimeFigureOut">
               <a:rPr lang="en-US" smtClean="0"/>
-              <a:t>1/27/13</a:t>
+              <a:t>1/18/2026</a:t>
             </a:fld>
             <a:endParaRPr lang="en-US"/>
           </a:p>
@@ -742,10 +753,9 @@
           <a:lstStyle/>
           <a:p>
             <a:r>
-              <a:rPr lang="en-US" smtClean="0"/>
+              <a:rPr lang="en-US"/>
               <a:t>Click to edit Master title style</a:t>
             </a:r>
-            <a:endParaRPr lang="en-US"/>
           </a:p>
         </p:txBody>
       </p:sp>
@@ -766,38 +776,37 @@
           <a:p>
             <a:pPr lvl="0"/>
             <a:r>
-              <a:rPr lang="en-US" smtClean="0"/>
+              <a:rPr lang="en-US"/>
               <a:t>Click to edit Master text styles</a:t>
             </a:r>
           </a:p>
           <a:p>
             <a:pPr lvl="1"/>
             <a:r>
-              <a:rPr lang="en-US" smtClean="0"/>
+              <a:rPr lang="en-US"/>
               <a:t>Second level</a:t>
             </a:r>
           </a:p>
           <a:p>
             <a:pPr lvl="2"/>
             <a:r>
-              <a:rPr lang="en-US" smtClean="0"/>
+              <a:rPr lang="en-US"/>
               <a:t>Third level</a:t>
             </a:r>
           </a:p>
           <a:p>
             <a:pPr lvl="3"/>
             <a:r>
-              <a:rPr lang="en-US" smtClean="0"/>
+              <a:rPr lang="en-US"/>
               <a:t>Fourth level</a:t>
             </a:r>
           </a:p>
           <a:p>
             <a:pPr lvl="4"/>
             <a:r>
-              <a:rPr lang="en-US" smtClean="0"/>
+              <a:rPr lang="en-US"/>
               <a:t>Fifth level</a:t>
             </a:r>
-            <a:endParaRPr lang="en-US"/>
           </a:p>
         </p:txBody>
       </p:sp>
@@ -818,7 +827,7 @@
           <a:p>
             <a:fld id="{5BCAD085-E8A6-8845-BD4E-CB4CCA059FC4}" type="datetimeFigureOut">
               <a:rPr lang="en-US" smtClean="0"/>
-              <a:t>1/27/13</a:t>
+              <a:t>1/18/2026</a:t>
             </a:fld>
             <a:endParaRPr lang="en-US"/>
           </a:p>
@@ -921,10 +930,9 @@
           </a:lstStyle>
           <a:p>
             <a:r>
-              <a:rPr lang="en-US" smtClean="0"/>
+              <a:rPr lang="en-US"/>
               <a:t>Click to edit Master title style</a:t>
             </a:r>
-            <a:endParaRPr lang="en-US"/>
           </a:p>
         </p:txBody>
       </p:sp>
@@ -1041,7 +1049,7 @@
           <a:p>
             <a:pPr lvl="0"/>
             <a:r>
-              <a:rPr lang="en-US" smtClean="0"/>
+              <a:rPr lang="en-US"/>
               <a:t>Click to edit Master text styles</a:t>
             </a:r>
           </a:p>
@@ -1064,7 +1072,7 @@
           <a:p>
             <a:fld id="{5BCAD085-E8A6-8845-BD4E-CB4CCA059FC4}" type="datetimeFigureOut">
               <a:rPr lang="en-US" smtClean="0"/>
-              <a:t>1/27/13</a:t>
+              <a:t>1/18/2026</a:t>
             </a:fld>
             <a:endParaRPr lang="en-US"/>
           </a:p>
@@ -1158,10 +1166,9 @@
           <a:lstStyle/>
           <a:p>
             <a:r>
-              <a:rPr lang="en-US" smtClean="0"/>
+              <a:rPr lang="en-US"/>
               <a:t>Click to edit Master title style</a:t>
             </a:r>
-            <a:endParaRPr lang="en-US"/>
           </a:p>
         </p:txBody>
       </p:sp>
@@ -1215,38 +1222,37 @@
           <a:p>
             <a:pPr lvl="0"/>
             <a:r>
-              <a:rPr lang="en-US" smtClean="0"/>
+              <a:rPr lang="en-US"/>
               <a:t>Click to edit Master text styles</a:t>
             </a:r>
           </a:p>
           <a:p>
             <a:pPr lvl="1"/>
             <a:r>
-              <a:rPr lang="en-US" smtClean="0"/>
+              <a:rPr lang="en-US"/>
               <a:t>Second level</a:t>
             </a:r>
           </a:p>
           <a:p>
             <a:pPr lvl="2"/>
             <a:r>
-              <a:rPr lang="en-US" smtClean="0"/>
+              <a:rPr lang="en-US"/>
               <a:t>Third level</a:t>
             </a:r>
           </a:p>
           <a:p>
             <a:pPr lvl="3"/>
             <a:r>
-              <a:rPr lang="en-US" smtClean="0"/>
+              <a:rPr lang="en-US"/>
               <a:t>Fourth level</a:t>
             </a:r>
           </a:p>
           <a:p>
             <a:pPr lvl="4"/>
             <a:r>
-              <a:rPr lang="en-US" smtClean="0"/>
+              <a:rPr lang="en-US"/>
               <a:t>Fifth level</a:t>
             </a:r>
-            <a:endParaRPr lang="en-US"/>
           </a:p>
         </p:txBody>
       </p:sp>
@@ -1300,38 +1306,37 @@
           <a:p>
             <a:pPr lvl="0"/>
             <a:r>
-              <a:rPr lang="en-US" smtClean="0"/>
+              <a:rPr lang="en-US"/>
               <a:t>Click to edit Master text styles</a:t>
             </a:r>
           </a:p>
           <a:p>
             <a:pPr lvl="1"/>
             <a:r>
-              <a:rPr lang="en-US" smtClean="0"/>
+              <a:rPr lang="en-US"/>
               <a:t>Second level</a:t>
             </a:r>
           </a:p>
           <a:p>
             <a:pPr lvl="2"/>
             <a:r>
-              <a:rPr lang="en-US" smtClean="0"/>
+              <a:rPr lang="en-US"/>
               <a:t>Third level</a:t>
             </a:r>
           </a:p>
           <a:p>
             <a:pPr lvl="3"/>
             <a:r>
-              <a:rPr lang="en-US" smtClean="0"/>
+              <a:rPr lang="en-US"/>
               <a:t>Fourth level</a:t>
             </a:r>
           </a:p>
           <a:p>
             <a:pPr lvl="4"/>
             <a:r>
-              <a:rPr lang="en-US" smtClean="0"/>
+              <a:rPr lang="en-US"/>
               <a:t>Fifth level</a:t>
             </a:r>
-            <a:endParaRPr lang="en-US"/>
           </a:p>
         </p:txBody>
       </p:sp>
@@ -1352,7 +1357,7 @@
           <a:p>
             <a:fld id="{5BCAD085-E8A6-8845-BD4E-CB4CCA059FC4}" type="datetimeFigureOut">
               <a:rPr lang="en-US" smtClean="0"/>
-              <a:t>1/27/13</a:t>
+              <a:t>1/18/2026</a:t>
             </a:fld>
             <a:endParaRPr lang="en-US"/>
           </a:p>
@@ -1450,10 +1455,9 @@
           </a:lstStyle>
           <a:p>
             <a:r>
-              <a:rPr lang="en-US" smtClean="0"/>
+              <a:rPr lang="en-US"/>
               <a:t>Click to edit Master title style</a:t>
             </a:r>
-            <a:endParaRPr lang="en-US"/>
           </a:p>
         </p:txBody>
       </p:sp>
@@ -1516,7 +1520,7 @@
           <a:p>
             <a:pPr lvl="0"/>
             <a:r>
-              <a:rPr lang="en-US" smtClean="0"/>
+              <a:rPr lang="en-US"/>
               <a:t>Click to edit Master text styles</a:t>
             </a:r>
           </a:p>
@@ -1572,38 +1576,37 @@
           <a:p>
             <a:pPr lvl="0"/>
             <a:r>
-              <a:rPr lang="en-US" smtClean="0"/>
+              <a:rPr lang="en-US"/>
               <a:t>Click to edit Master text styles</a:t>
             </a:r>
           </a:p>
           <a:p>
             <a:pPr lvl="1"/>
             <a:r>
-              <a:rPr lang="en-US" smtClean="0"/>
+              <a:rPr lang="en-US"/>
               <a:t>Second level</a:t>
             </a:r>
           </a:p>
           <a:p>
             <a:pPr lvl="2"/>
             <a:r>
-              <a:rPr lang="en-US" smtClean="0"/>
+              <a:rPr lang="en-US"/>
               <a:t>Third level</a:t>
             </a:r>
           </a:p>
           <a:p>
             <a:pPr lvl="3"/>
             <a:r>
-              <a:rPr lang="en-US" smtClean="0"/>
+              <a:rPr lang="en-US"/>
               <a:t>Fourth level</a:t>
             </a:r>
           </a:p>
           <a:p>
             <a:pPr lvl="4"/>
             <a:r>
-              <a:rPr lang="en-US" smtClean="0"/>
+              <a:rPr lang="en-US"/>
               <a:t>Fifth level</a:t>
             </a:r>
-            <a:endParaRPr lang="en-US"/>
           </a:p>
         </p:txBody>
       </p:sp>
@@ -1666,7 +1669,7 @@
           <a:p>
             <a:pPr lvl="0"/>
             <a:r>
-              <a:rPr lang="en-US" smtClean="0"/>
+              <a:rPr lang="en-US"/>
               <a:t>Click to edit Master text styles</a:t>
             </a:r>
           </a:p>
@@ -1722,38 +1725,37 @@
           <a:p>
             <a:pPr lvl="0"/>
             <a:r>
-              <a:rPr lang="en-US" smtClean="0"/>
+              <a:rPr lang="en-US"/>
               <a:t>Click to edit Master text styles</a:t>
             </a:r>
           </a:p>
           <a:p>
             <a:pPr lvl="1"/>
             <a:r>
-              <a:rPr lang="en-US" smtClean="0"/>
+              <a:rPr lang="en-US"/>
               <a:t>Second level</a:t>
             </a:r>
           </a:p>
           <a:p>
             <a:pPr lvl="2"/>
             <a:r>
-              <a:rPr lang="en-US" smtClean="0"/>
+              <a:rPr lang="en-US"/>
               <a:t>Third level</a:t>
             </a:r>
           </a:p>
           <a:p>
             <a:pPr lvl="3"/>
             <a:r>
-              <a:rPr lang="en-US" smtClean="0"/>
+              <a:rPr lang="en-US"/>
               <a:t>Fourth level</a:t>
             </a:r>
           </a:p>
           <a:p>
             <a:pPr lvl="4"/>
             <a:r>
-              <a:rPr lang="en-US" smtClean="0"/>
+              <a:rPr lang="en-US"/>
               <a:t>Fifth level</a:t>
             </a:r>
-            <a:endParaRPr lang="en-US"/>
           </a:p>
         </p:txBody>
       </p:sp>
@@ -1774,7 +1776,7 @@
           <a:p>
             <a:fld id="{5BCAD085-E8A6-8845-BD4E-CB4CCA059FC4}" type="datetimeFigureOut">
               <a:rPr lang="en-US" smtClean="0"/>
-              <a:t>1/27/13</a:t>
+              <a:t>1/18/2026</a:t>
             </a:fld>
             <a:endParaRPr lang="en-US"/>
           </a:p>
@@ -1868,10 +1870,9 @@
           <a:lstStyle/>
           <a:p>
             <a:r>
-              <a:rPr lang="en-US" smtClean="0"/>
+              <a:rPr lang="en-US"/>
               <a:t>Click to edit Master title style</a:t>
             </a:r>
-            <a:endParaRPr lang="en-US"/>
           </a:p>
         </p:txBody>
       </p:sp>
@@ -1892,7 +1893,7 @@
           <a:p>
             <a:fld id="{5BCAD085-E8A6-8845-BD4E-CB4CCA059FC4}" type="datetimeFigureOut">
               <a:rPr lang="en-US" smtClean="0"/>
-              <a:t>1/27/13</a:t>
+              <a:t>1/18/2026</a:t>
             </a:fld>
             <a:endParaRPr lang="en-US"/>
           </a:p>
@@ -1987,7 +1988,7 @@
           <a:p>
             <a:fld id="{5BCAD085-E8A6-8845-BD4E-CB4CCA059FC4}" type="datetimeFigureOut">
               <a:rPr lang="en-US" smtClean="0"/>
-              <a:t>1/27/13</a:t>
+              <a:t>1/18/2026</a:t>
             </a:fld>
             <a:endParaRPr lang="en-US"/>
           </a:p>
@@ -2090,10 +2091,9 @@
           </a:lstStyle>
           <a:p>
             <a:r>
-              <a:rPr lang="en-US" smtClean="0"/>
+              <a:rPr lang="en-US"/>
               <a:t>Click to edit Master title style</a:t>
             </a:r>
-            <a:endParaRPr lang="en-US"/>
           </a:p>
         </p:txBody>
       </p:sp>
@@ -2147,38 +2147,37 @@
           <a:p>
             <a:pPr lvl="0"/>
             <a:r>
-              <a:rPr lang="en-US" smtClean="0"/>
+              <a:rPr lang="en-US"/>
               <a:t>Click to edit Master text styles</a:t>
             </a:r>
           </a:p>
           <a:p>
             <a:pPr lvl="1"/>
             <a:r>
-              <a:rPr lang="en-US" smtClean="0"/>
+              <a:rPr lang="en-US"/>
               <a:t>Second level</a:t>
             </a:r>
           </a:p>
           <a:p>
             <a:pPr lvl="2"/>
             <a:r>
-              <a:rPr lang="en-US" smtClean="0"/>
+              <a:rPr lang="en-US"/>
               <a:t>Third level</a:t>
             </a:r>
           </a:p>
           <a:p>
             <a:pPr lvl="3"/>
             <a:r>
-              <a:rPr lang="en-US" smtClean="0"/>
+              <a:rPr lang="en-US"/>
               <a:t>Fourth level</a:t>
             </a:r>
           </a:p>
           <a:p>
             <a:pPr lvl="4"/>
             <a:r>
-              <a:rPr lang="en-US" smtClean="0"/>
+              <a:rPr lang="en-US"/>
               <a:t>Fifth level</a:t>
             </a:r>
-            <a:endParaRPr lang="en-US"/>
           </a:p>
         </p:txBody>
       </p:sp>
@@ -2241,7 +2240,7 @@
           <a:p>
             <a:pPr lvl="0"/>
             <a:r>
-              <a:rPr lang="en-US" smtClean="0"/>
+              <a:rPr lang="en-US"/>
               <a:t>Click to edit Master text styles</a:t>
             </a:r>
           </a:p>
@@ -2264,7 +2263,7 @@
           <a:p>
             <a:fld id="{5BCAD085-E8A6-8845-BD4E-CB4CCA059FC4}" type="datetimeFigureOut">
               <a:rPr lang="en-US" smtClean="0"/>
-              <a:t>1/27/13</a:t>
+              <a:t>1/18/2026</a:t>
             </a:fld>
             <a:endParaRPr lang="en-US"/>
           </a:p>
@@ -2367,10 +2366,9 @@
           </a:lstStyle>
           <a:p>
             <a:r>
-              <a:rPr lang="en-US" smtClean="0"/>
+              <a:rPr lang="en-US"/>
               <a:t>Click to edit Master title style</a:t>
             </a:r>
-            <a:endParaRPr lang="en-US"/>
           </a:p>
         </p:txBody>
       </p:sp>
@@ -2494,7 +2492,7 @@
           <a:p>
             <a:pPr lvl="0"/>
             <a:r>
-              <a:rPr lang="en-US" smtClean="0"/>
+              <a:rPr lang="en-US"/>
               <a:t>Click to edit Master text styles</a:t>
             </a:r>
           </a:p>
@@ -2517,7 +2515,7 @@
           <a:p>
             <a:fld id="{5BCAD085-E8A6-8845-BD4E-CB4CCA059FC4}" type="datetimeFigureOut">
               <a:rPr lang="en-US" smtClean="0"/>
-              <a:t>1/27/13</a:t>
+              <a:t>1/18/2026</a:t>
             </a:fld>
             <a:endParaRPr lang="en-US"/>
           </a:p>
@@ -2626,10 +2624,9 @@
           <a:lstStyle/>
           <a:p>
             <a:r>
-              <a:rPr lang="en-US" smtClean="0"/>
+              <a:rPr lang="en-US"/>
               <a:t>Click to edit Master title style</a:t>
             </a:r>
-            <a:endParaRPr lang="en-US"/>
           </a:p>
         </p:txBody>
       </p:sp>
@@ -2660,38 +2657,37 @@
           <a:p>
             <a:pPr lvl="0"/>
             <a:r>
-              <a:rPr lang="en-US" smtClean="0"/>
+              <a:rPr lang="en-US"/>
               <a:t>Click to edit Master text styles</a:t>
             </a:r>
           </a:p>
           <a:p>
             <a:pPr lvl="1"/>
             <a:r>
-              <a:rPr lang="en-US" smtClean="0"/>
+              <a:rPr lang="en-US"/>
               <a:t>Second level</a:t>
             </a:r>
           </a:p>
           <a:p>
             <a:pPr lvl="2"/>
             <a:r>
-              <a:rPr lang="en-US" smtClean="0"/>
+              <a:rPr lang="en-US"/>
               <a:t>Third level</a:t>
             </a:r>
           </a:p>
           <a:p>
             <a:pPr lvl="3"/>
             <a:r>
-              <a:rPr lang="en-US" smtClean="0"/>
+              <a:rPr lang="en-US"/>
               <a:t>Fourth level</a:t>
             </a:r>
           </a:p>
           <a:p>
             <a:pPr lvl="4"/>
             <a:r>
-              <a:rPr lang="en-US" smtClean="0"/>
+              <a:rPr lang="en-US"/>
               <a:t>Fifth level</a:t>
             </a:r>
-            <a:endParaRPr lang="en-US"/>
           </a:p>
         </p:txBody>
       </p:sp>
@@ -2730,7 +2726,7 @@
           <a:p>
             <a:fld id="{5BCAD085-E8A6-8845-BD4E-CB4CCA059FC4}" type="datetimeFigureOut">
               <a:rPr lang="en-US" smtClean="0"/>
-              <a:t>1/27/13</a:t>
+              <a:t>1/18/2026</a:t>
             </a:fld>
             <a:endParaRPr lang="en-US"/>
           </a:p>
@@ -3089,7 +3085,7 @@
 </file>
 
 <file path=ppt/slides/slide1.xml><?xml version="1.0" encoding="utf-8"?>
-<p:sld xmlns:a="http://schemas.openxmlformats.org/drawingml/2006/main" xmlns:p="http://schemas.openxmlformats.org/presentationml/2006/main" xmlns:r="http://schemas.openxmlformats.org/officeDocument/2006/relationships">
+<p:sld xmlns:a="http://schemas.openxmlformats.org/drawingml/2006/main" xmlns:r="http://schemas.openxmlformats.org/officeDocument/2006/relationships" xmlns:p="http://schemas.openxmlformats.org/presentationml/2006/main">
   <p:cSld>
     <p:spTree>
       <p:nvGrpSpPr>
@@ -3097,10 +3093,23 @@
         <p:cNvGrpSpPr/>
         <p:nvPr/>
       </p:nvGrpSpPr>
-      <p:grpSpPr/>
-      <p:sp>
-        <p:nvSpPr>
-          <p:cNvPr id="2" name="Title 1"/>
+      <p:grpSpPr>
+        <a:xfrm>
+          <a:off x="0" y="0"/>
+          <a:ext cx="0" cy="0"/>
+          <a:chOff x="0" y="0"/>
+          <a:chExt cx="0" cy="0"/>
+        </a:xfrm>
+      </p:grpSpPr>
+      <p:sp>
+        <p:nvSpPr>
+          <p:cNvPr id="2" name="Title 1">
+            <a:extLst>
+              <a:ext uri="{FF2B5EF4-FFF2-40B4-BE49-F238E27FC236}">
+                <a16:creationId xmlns:a16="http://schemas.microsoft.com/office/drawing/2014/main" id="{588589E5-96E1-17C6-3150-1CB725B74C4A}"/>
+              </a:ext>
+            </a:extLst>
+          </p:cNvPr>
           <p:cNvSpPr>
             <a:spLocks noGrp="1"/>
           </p:cNvSpPr>
@@ -3108,59 +3117,110 @@
             <p:ph type="title"/>
           </p:nvPr>
         </p:nvSpPr>
-        <p:spPr/>
-        <p:txBody>
-          <a:bodyPr/>
-          <a:lstStyle/>
-          <a:p>
-            <a:r>
-              <a:t>Problem Statement</a:t>
-            </a:r>
-          </a:p>
-        </p:txBody>
-      </p:sp>
-      <p:sp>
-        <p:nvSpPr>
-          <p:cNvPr id="3" name="Content Placeholder 2"/>
-          <p:cNvSpPr>
-            <a:spLocks noGrp="1"/>
-          </p:cNvSpPr>
-          <p:nvPr>
-            <p:ph idx="1"/>
-          </p:nvPr>
-        </p:nvSpPr>
-        <p:spPr/>
-        <p:txBody>
-          <a:bodyPr/>
-          <a:lstStyle/>
-          <a:p>
-            <a:r>
-              <a:t>• Transition fraud detection models from development to production</a:t>
-            </a:r>
-          </a:p>
-          <a:p>
-            <a:r>
-              <a:t>• Deploy machine learning models for real-world Ethereum fraud detection</a:t>
-            </a:r>
-          </a:p>
-          <a:p>
-            <a:r>
-              <a:t>• Create user-friendly interface for fraud risk assessment</a:t>
-            </a:r>
-          </a:p>
-          <a:p>
-            <a:r>
-              <a:t>• Collect and analyze user feedback for iterative improvements</a:t>
-            </a:r>
-          </a:p>
-          <a:p>
-            <a:r>
-              <a:t>• Demonstrate complete data science project lifecycle</a:t>
+        <p:spPr>
+          <a:xfrm>
+            <a:off x="457200" y="274638"/>
+            <a:ext cx="8229600" cy="4431177"/>
+          </a:xfrm>
+        </p:spPr>
+        <p:txBody>
+          <a:bodyPr>
+            <a:normAutofit/>
+          </a:bodyPr>
+          <a:lstStyle/>
+          <a:p>
+            <a:r>
+              <a:rPr lang="en-US" b="1" dirty="0">
+                <a:latin typeface="Times New Roman" panose="02020603050405020304" pitchFamily="18" charset="0"/>
+                <a:cs typeface="Times New Roman" panose="02020603050405020304" pitchFamily="18" charset="0"/>
+              </a:rPr>
+              <a:t> Model Deployment, Feedback Collection, and Iterative Improvement</a:t>
+            </a:r>
+          </a:p>
+        </p:txBody>
+      </p:sp>
+      <p:sp>
+        <p:nvSpPr>
+          <p:cNvPr id="4" name="TextBox 3">
+            <a:extLst>
+              <a:ext uri="{FF2B5EF4-FFF2-40B4-BE49-F238E27FC236}">
+                <a16:creationId xmlns:a16="http://schemas.microsoft.com/office/drawing/2014/main" id="{D5975A07-213D-379C-4842-2370E229D768}"/>
+              </a:ext>
+            </a:extLst>
+          </p:cNvPr>
+          <p:cNvSpPr txBox="1"/>
+          <p:nvPr/>
+        </p:nvSpPr>
+        <p:spPr>
+          <a:xfrm>
+            <a:off x="847494" y="4627756"/>
+            <a:ext cx="2329896" cy="461665"/>
+          </a:xfrm>
+          <a:prstGeom prst="rect">
+            <a:avLst/>
+          </a:prstGeom>
+          <a:noFill/>
+        </p:spPr>
+        <p:txBody>
+          <a:bodyPr wrap="square" rtlCol="0">
+            <a:spAutoFit/>
+          </a:bodyPr>
+          <a:lstStyle/>
+          <a:p>
+            <a:r>
+              <a:rPr lang="en-US" sz="2400" b="1" dirty="0">
+                <a:latin typeface="Times New Roman" panose="02020603050405020304" pitchFamily="18" charset="0"/>
+                <a:cs typeface="Times New Roman" panose="02020603050405020304" pitchFamily="18" charset="0"/>
+              </a:rPr>
+              <a:t>Assignment 04</a:t>
+            </a:r>
+          </a:p>
+        </p:txBody>
+      </p:sp>
+      <p:sp>
+        <p:nvSpPr>
+          <p:cNvPr id="5" name="TextBox 4">
+            <a:extLst>
+              <a:ext uri="{FF2B5EF4-FFF2-40B4-BE49-F238E27FC236}">
+                <a16:creationId xmlns:a16="http://schemas.microsoft.com/office/drawing/2014/main" id="{416D990E-90A2-64E1-5BC6-B0B8985A3F96}"/>
+              </a:ext>
+            </a:extLst>
+          </p:cNvPr>
+          <p:cNvSpPr txBox="1"/>
+          <p:nvPr/>
+        </p:nvSpPr>
+        <p:spPr>
+          <a:xfrm>
+            <a:off x="5185317" y="4616605"/>
+            <a:ext cx="3775839" cy="461665"/>
+          </a:xfrm>
+          <a:prstGeom prst="rect">
+            <a:avLst/>
+          </a:prstGeom>
+          <a:noFill/>
+        </p:spPr>
+        <p:txBody>
+          <a:bodyPr wrap="square" rtlCol="0">
+            <a:spAutoFit/>
+          </a:bodyPr>
+          <a:lstStyle/>
+          <a:p>
+            <a:r>
+              <a:rPr lang="en-US" sz="2400" b="1" dirty="0">
+                <a:latin typeface="Times New Roman" panose="02020603050405020304" pitchFamily="18" charset="0"/>
+                <a:cs typeface="Times New Roman" panose="02020603050405020304" pitchFamily="18" charset="0"/>
+              </a:rPr>
+              <a:t>Ahmad Faraz (215154)</a:t>
             </a:r>
           </a:p>
         </p:txBody>
       </p:sp>
     </p:spTree>
+    <p:extLst>
+      <p:ext uri="{BB962C8B-B14F-4D97-AF65-F5344CB8AC3E}">
+        <p14:creationId xmlns:p14="http://schemas.microsoft.com/office/powerpoint/2010/main" val="3477683055"/>
+      </p:ext>
+    </p:extLst>
   </p:cSld>
   <p:clrMapOvr>
     <a:masterClrMapping/>
@@ -3169,7 +3229,7 @@
 </file>
 
 <file path=ppt/slides/slide10.xml><?xml version="1.0" encoding="utf-8"?>
-<p:sld xmlns:a="http://schemas.openxmlformats.org/drawingml/2006/main" xmlns:p="http://schemas.openxmlformats.org/presentationml/2006/main" xmlns:r="http://schemas.openxmlformats.org/officeDocument/2006/relationships">
+<p:sld xmlns:a="http://schemas.openxmlformats.org/drawingml/2006/main" xmlns:r="http://schemas.openxmlformats.org/officeDocument/2006/relationships" xmlns:p="http://schemas.openxmlformats.org/presentationml/2006/main">
   <p:cSld>
     <p:spTree>
       <p:nvGrpSpPr>
@@ -3177,7 +3237,14 @@
         <p:cNvGrpSpPr/>
         <p:nvPr/>
       </p:nvGrpSpPr>
-      <p:grpSpPr/>
+      <p:grpSpPr>
+        <a:xfrm>
+          <a:off x="0" y="0"/>
+          <a:ext cx="0" cy="0"/>
+          <a:chOff x="0" y="0"/>
+          <a:chExt cx="0" cy="0"/>
+        </a:xfrm>
+      </p:grpSpPr>
       <p:sp>
         <p:nvSpPr>
           <p:cNvPr id="2" name="Title 1"/>
@@ -3190,11 +3257,18 @@
         </p:nvSpPr>
         <p:spPr/>
         <p:txBody>
-          <a:bodyPr/>
-          <a:lstStyle/>
-          <a:p>
-            <a:r>
-              <a:t>Feedback and its Analysis</a:t>
+          <a:bodyPr>
+            <a:normAutofit/>
+          </a:bodyPr>
+          <a:lstStyle/>
+          <a:p>
+            <a:pPr algn="l"/>
+            <a:r>
+              <a:rPr sz="3200" b="1" dirty="0">
+                <a:latin typeface="Times New Roman" panose="02020603050405020304" pitchFamily="18" charset="0"/>
+                <a:cs typeface="Times New Roman" panose="02020603050405020304" pitchFamily="18" charset="0"/>
+              </a:rPr>
+              <a:t>Deployment Strategy</a:t>
             </a:r>
           </a:p>
         </p:txBody>
@@ -3211,46 +3285,141 @@
         </p:nvSpPr>
         <p:spPr/>
         <p:txBody>
-          <a:bodyPr/>
-          <a:lstStyle/>
-          <a:p>
-            <a:r>
-              <a:t>• Feedback collected from 15+ users via Google Forms</a:t>
-            </a:r>
-          </a:p>
-          <a:p>
-            <a:r>
-              <a:t>• Key Themes:</a:t>
-            </a:r>
-          </a:p>
-          <a:p>
-            <a:r>
-              <a:t>  - Usability improvements requested</a:t>
-            </a:r>
-          </a:p>
-          <a:p>
-            <a:r>
-              <a:t>  - Additional input features suggested</a:t>
-            </a:r>
-          </a:p>
-          <a:p>
-            <a:r>
-              <a:t>  - UI clarity enhancements needed</a:t>
-            </a:r>
-          </a:p>
-          <a:p>
-            <a:r>
-              <a:t>  - Probability-based risk scoring valued</a:t>
-            </a:r>
-          </a:p>
-          <a:p>
-            <a:r>
-              <a:t>• Analysis: Prioritized accuracy and usability improvements</a:t>
-            </a:r>
-          </a:p>
-          <a:p>
-            <a:r>
-              <a:t>• Common Suggestions: More features, better explanations, enhanced UI</a:t>
+          <a:bodyPr>
+            <a:normAutofit fontScale="85000" lnSpcReduction="10000"/>
+          </a:bodyPr>
+          <a:lstStyle/>
+          <a:p>
+            <a:pPr algn="just"/>
+            <a:r>
+              <a:rPr dirty="0">
+                <a:latin typeface="Times New Roman" panose="02020603050405020304" pitchFamily="18" charset="0"/>
+                <a:cs typeface="Times New Roman" panose="02020603050405020304" pitchFamily="18" charset="0"/>
+              </a:rPr>
+              <a:t>Local </a:t>
+            </a:r>
+            <a:r>
+              <a:rPr dirty="0" err="1">
+                <a:latin typeface="Times New Roman" panose="02020603050405020304" pitchFamily="18" charset="0"/>
+                <a:cs typeface="Times New Roman" panose="02020603050405020304" pitchFamily="18" charset="0"/>
+              </a:rPr>
+              <a:t>Streamlit</a:t>
+            </a:r>
+            <a:r>
+              <a:rPr dirty="0">
+                <a:latin typeface="Times New Roman" panose="02020603050405020304" pitchFamily="18" charset="0"/>
+                <a:cs typeface="Times New Roman" panose="02020603050405020304" pitchFamily="18" charset="0"/>
+              </a:rPr>
+              <a:t> Application</a:t>
+            </a:r>
+          </a:p>
+          <a:p>
+            <a:pPr algn="just"/>
+            <a:r>
+              <a:rPr i="1" dirty="0">
+                <a:latin typeface="Times New Roman" panose="02020603050405020304" pitchFamily="18" charset="0"/>
+                <a:cs typeface="Times New Roman" panose="02020603050405020304" pitchFamily="18" charset="0"/>
+              </a:rPr>
+              <a:t>Command: </a:t>
+            </a:r>
+            <a:r>
+              <a:rPr dirty="0" err="1">
+                <a:latin typeface="Times New Roman" panose="02020603050405020304" pitchFamily="18" charset="0"/>
+                <a:cs typeface="Times New Roman" panose="02020603050405020304" pitchFamily="18" charset="0"/>
+              </a:rPr>
+              <a:t>streamlit</a:t>
+            </a:r>
+            <a:r>
+              <a:rPr dirty="0">
+                <a:latin typeface="Times New Roman" panose="02020603050405020304" pitchFamily="18" charset="0"/>
+                <a:cs typeface="Times New Roman" panose="02020603050405020304" pitchFamily="18" charset="0"/>
+              </a:rPr>
+              <a:t> run app.py</a:t>
+            </a:r>
+          </a:p>
+          <a:p>
+            <a:pPr algn="just"/>
+            <a:r>
+              <a:rPr i="1" dirty="0">
+                <a:latin typeface="Times New Roman" panose="02020603050405020304" pitchFamily="18" charset="0"/>
+                <a:cs typeface="Times New Roman" panose="02020603050405020304" pitchFamily="18" charset="0"/>
+              </a:rPr>
+              <a:t>User Interface: </a:t>
+            </a:r>
+            <a:r>
+              <a:rPr dirty="0">
+                <a:latin typeface="Times New Roman" panose="02020603050405020304" pitchFamily="18" charset="0"/>
+                <a:cs typeface="Times New Roman" panose="02020603050405020304" pitchFamily="18" charset="0"/>
+              </a:rPr>
+              <a:t>Web-based form for input</a:t>
+            </a:r>
+          </a:p>
+          <a:p>
+            <a:pPr algn="just"/>
+            <a:r>
+              <a:rPr i="1" dirty="0">
+                <a:latin typeface="Times New Roman" panose="02020603050405020304" pitchFamily="18" charset="0"/>
+                <a:cs typeface="Times New Roman" panose="02020603050405020304" pitchFamily="18" charset="0"/>
+              </a:rPr>
+              <a:t>Real-time Processing: </a:t>
+            </a:r>
+            <a:r>
+              <a:rPr dirty="0">
+                <a:latin typeface="Times New Roman" panose="02020603050405020304" pitchFamily="18" charset="0"/>
+                <a:cs typeface="Times New Roman" panose="02020603050405020304" pitchFamily="18" charset="0"/>
+              </a:rPr>
+              <a:t>Immediate prediction results</a:t>
+            </a:r>
+          </a:p>
+          <a:p>
+            <a:pPr algn="just"/>
+            <a:r>
+              <a:rPr i="1" dirty="0">
+                <a:latin typeface="Times New Roman" panose="02020603050405020304" pitchFamily="18" charset="0"/>
+                <a:cs typeface="Times New Roman" panose="02020603050405020304" pitchFamily="18" charset="0"/>
+              </a:rPr>
+              <a:t>Model Serialization: </a:t>
+            </a:r>
+            <a:r>
+              <a:rPr dirty="0">
+                <a:latin typeface="Times New Roman" panose="02020603050405020304" pitchFamily="18" charset="0"/>
+                <a:cs typeface="Times New Roman" panose="02020603050405020304" pitchFamily="18" charset="0"/>
+              </a:rPr>
+              <a:t>Pickle format for model persistence</a:t>
+            </a:r>
+          </a:p>
+          <a:p>
+            <a:pPr algn="just"/>
+            <a:r>
+              <a:rPr i="1" dirty="0">
+                <a:latin typeface="Times New Roman" panose="02020603050405020304" pitchFamily="18" charset="0"/>
+                <a:cs typeface="Times New Roman" panose="02020603050405020304" pitchFamily="18" charset="0"/>
+              </a:rPr>
+              <a:t>Scalability: </a:t>
+            </a:r>
+            <a:r>
+              <a:rPr dirty="0">
+                <a:latin typeface="Times New Roman" panose="02020603050405020304" pitchFamily="18" charset="0"/>
+                <a:cs typeface="Times New Roman" panose="02020603050405020304" pitchFamily="18" charset="0"/>
+              </a:rPr>
+              <a:t>Suitable for academic and small-scale production use</a:t>
+            </a:r>
+          </a:p>
+          <a:p>
+            <a:pPr algn="just"/>
+            <a:r>
+              <a:rPr i="1" dirty="0">
+                <a:latin typeface="Times New Roman" panose="02020603050405020304" pitchFamily="18" charset="0"/>
+                <a:cs typeface="Times New Roman" panose="02020603050405020304" pitchFamily="18" charset="0"/>
+              </a:rPr>
+              <a:t>Future: </a:t>
+            </a:r>
+            <a:r>
+              <a:rPr dirty="0">
+                <a:latin typeface="Times New Roman" panose="02020603050405020304" pitchFamily="18" charset="0"/>
+                <a:cs typeface="Times New Roman" panose="02020603050405020304" pitchFamily="18" charset="0"/>
+              </a:rPr>
+              <a:t>Could extend to cloud deployment (Heroku, AWS)</a:t>
             </a:r>
           </a:p>
         </p:txBody>
@@ -3264,7 +3433,7 @@
 </file>
 
 <file path=ppt/slides/slide11.xml><?xml version="1.0" encoding="utf-8"?>
-<p:sld xmlns:a="http://schemas.openxmlformats.org/drawingml/2006/main" xmlns:p="http://schemas.openxmlformats.org/presentationml/2006/main" xmlns:r="http://schemas.openxmlformats.org/officeDocument/2006/relationships">
+<p:sld xmlns:a="http://schemas.openxmlformats.org/drawingml/2006/main" xmlns:r="http://schemas.openxmlformats.org/officeDocument/2006/relationships" xmlns:p="http://schemas.openxmlformats.org/presentationml/2006/main">
   <p:cSld>
     <p:spTree>
       <p:nvGrpSpPr>
@@ -3272,7 +3441,14 @@
         <p:cNvGrpSpPr/>
         <p:nvPr/>
       </p:nvGrpSpPr>
-      <p:grpSpPr/>
+      <p:grpSpPr>
+        <a:xfrm>
+          <a:off x="0" y="0"/>
+          <a:ext cx="0" cy="0"/>
+          <a:chOff x="0" y="0"/>
+          <a:chExt cx="0" cy="0"/>
+        </a:xfrm>
+      </p:grpSpPr>
       <p:sp>
         <p:nvSpPr>
           <p:cNvPr id="2" name="Title 1"/>
@@ -3285,10 +3461,209 @@
         </p:nvSpPr>
         <p:spPr/>
         <p:txBody>
-          <a:bodyPr/>
-          <a:lstStyle/>
-          <a:p>
-            <a:r>
+          <a:bodyPr>
+            <a:normAutofit/>
+          </a:bodyPr>
+          <a:lstStyle/>
+          <a:p>
+            <a:pPr algn="l"/>
+            <a:r>
+              <a:rPr sz="3200" b="1" dirty="0">
+                <a:latin typeface="Times New Roman" panose="02020603050405020304" pitchFamily="18" charset="0"/>
+                <a:cs typeface="Times New Roman" panose="02020603050405020304" pitchFamily="18" charset="0"/>
+              </a:rPr>
+              <a:t>Feedback and its Analysis</a:t>
+            </a:r>
+          </a:p>
+        </p:txBody>
+      </p:sp>
+      <p:sp>
+        <p:nvSpPr>
+          <p:cNvPr id="3" name="Content Placeholder 2"/>
+          <p:cNvSpPr>
+            <a:spLocks noGrp="1"/>
+          </p:cNvSpPr>
+          <p:nvPr>
+            <p:ph idx="1"/>
+          </p:nvPr>
+        </p:nvSpPr>
+        <p:spPr/>
+        <p:txBody>
+          <a:bodyPr>
+            <a:normAutofit fontScale="85000" lnSpcReduction="10000"/>
+          </a:bodyPr>
+          <a:lstStyle/>
+          <a:p>
+            <a:pPr algn="just"/>
+            <a:r>
+              <a:rPr dirty="0">
+                <a:latin typeface="Times New Roman" panose="02020603050405020304" pitchFamily="18" charset="0"/>
+                <a:cs typeface="Times New Roman" panose="02020603050405020304" pitchFamily="18" charset="0"/>
+              </a:rPr>
+              <a:t>Feedback collected from 15+ users via Google Forms</a:t>
+            </a:r>
+          </a:p>
+          <a:p>
+            <a:pPr algn="just"/>
+            <a:r>
+              <a:rPr i="1" dirty="0">
+                <a:latin typeface="Times New Roman" panose="02020603050405020304" pitchFamily="18" charset="0"/>
+                <a:cs typeface="Times New Roman" panose="02020603050405020304" pitchFamily="18" charset="0"/>
+              </a:rPr>
+              <a:t>Key Themes:</a:t>
+            </a:r>
+          </a:p>
+          <a:p>
+            <a:pPr marL="0" indent="0" algn="just">
+              <a:buNone/>
+            </a:pPr>
+            <a:r>
+              <a:rPr dirty="0">
+                <a:latin typeface="Times New Roman" panose="02020603050405020304" pitchFamily="18" charset="0"/>
+                <a:cs typeface="Times New Roman" panose="02020603050405020304" pitchFamily="18" charset="0"/>
+              </a:rPr>
+              <a:t>  - Usability improvements requested</a:t>
+            </a:r>
+          </a:p>
+          <a:p>
+            <a:pPr marL="0" indent="0" algn="just">
+              <a:buNone/>
+            </a:pPr>
+            <a:r>
+              <a:rPr dirty="0">
+                <a:latin typeface="Times New Roman" panose="02020603050405020304" pitchFamily="18" charset="0"/>
+                <a:cs typeface="Times New Roman" panose="02020603050405020304" pitchFamily="18" charset="0"/>
+              </a:rPr>
+              <a:t>  - Additional input features suggested</a:t>
+            </a:r>
+          </a:p>
+          <a:p>
+            <a:pPr marL="0" indent="0" algn="just">
+              <a:buNone/>
+            </a:pPr>
+            <a:r>
+              <a:rPr dirty="0">
+                <a:latin typeface="Times New Roman" panose="02020603050405020304" pitchFamily="18" charset="0"/>
+                <a:cs typeface="Times New Roman" panose="02020603050405020304" pitchFamily="18" charset="0"/>
+              </a:rPr>
+              <a:t>  - UI clarity enhancements needed</a:t>
+            </a:r>
+          </a:p>
+          <a:p>
+            <a:pPr marL="0" indent="0" algn="just">
+              <a:buNone/>
+            </a:pPr>
+            <a:r>
+              <a:rPr dirty="0">
+                <a:latin typeface="Times New Roman" panose="02020603050405020304" pitchFamily="18" charset="0"/>
+                <a:cs typeface="Times New Roman" panose="02020603050405020304" pitchFamily="18" charset="0"/>
+              </a:rPr>
+              <a:t> </a:t>
+            </a:r>
+            <a:r>
+              <a:rPr lang="en-US" dirty="0">
+                <a:latin typeface="Times New Roman" panose="02020603050405020304" pitchFamily="18" charset="0"/>
+                <a:cs typeface="Times New Roman" panose="02020603050405020304" pitchFamily="18" charset="0"/>
+              </a:rPr>
+              <a:t> </a:t>
+            </a:r>
+            <a:r>
+              <a:rPr dirty="0">
+                <a:latin typeface="Times New Roman" panose="02020603050405020304" pitchFamily="18" charset="0"/>
+                <a:cs typeface="Times New Roman" panose="02020603050405020304" pitchFamily="18" charset="0"/>
+              </a:rPr>
+              <a:t>- Probability-based risk scoring valued</a:t>
+            </a:r>
+          </a:p>
+          <a:p>
+            <a:pPr algn="just"/>
+            <a:r>
+              <a:rPr i="1" dirty="0">
+                <a:latin typeface="Times New Roman" panose="02020603050405020304" pitchFamily="18" charset="0"/>
+                <a:cs typeface="Times New Roman" panose="02020603050405020304" pitchFamily="18" charset="0"/>
+              </a:rPr>
+              <a:t>Analysis: </a:t>
+            </a:r>
+            <a:r>
+              <a:rPr dirty="0">
+                <a:latin typeface="Times New Roman" panose="02020603050405020304" pitchFamily="18" charset="0"/>
+                <a:cs typeface="Times New Roman" panose="02020603050405020304" pitchFamily="18" charset="0"/>
+              </a:rPr>
+              <a:t>Prioritized accuracy and usability improvements</a:t>
+            </a:r>
+          </a:p>
+          <a:p>
+            <a:pPr algn="just"/>
+            <a:r>
+              <a:rPr i="1" dirty="0">
+                <a:latin typeface="Times New Roman" panose="02020603050405020304" pitchFamily="18" charset="0"/>
+                <a:cs typeface="Times New Roman" panose="02020603050405020304" pitchFamily="18" charset="0"/>
+              </a:rPr>
+              <a:t>Common Suggestions: </a:t>
+            </a:r>
+            <a:r>
+              <a:rPr dirty="0">
+                <a:latin typeface="Times New Roman" panose="02020603050405020304" pitchFamily="18" charset="0"/>
+                <a:cs typeface="Times New Roman" panose="02020603050405020304" pitchFamily="18" charset="0"/>
+              </a:rPr>
+              <a:t>More features, better explanations, enhanced UI</a:t>
+            </a:r>
+          </a:p>
+        </p:txBody>
+      </p:sp>
+    </p:spTree>
+  </p:cSld>
+  <p:clrMapOvr>
+    <a:masterClrMapping/>
+  </p:clrMapOvr>
+</p:sld>
+</file>
+
+<file path=ppt/slides/slide12.xml><?xml version="1.0" encoding="utf-8"?>
+<p:sld xmlns:a="http://schemas.openxmlformats.org/drawingml/2006/main" xmlns:r="http://schemas.openxmlformats.org/officeDocument/2006/relationships" xmlns:p="http://schemas.openxmlformats.org/presentationml/2006/main">
+  <p:cSld>
+    <p:spTree>
+      <p:nvGrpSpPr>
+        <p:cNvPr id="1" name=""/>
+        <p:cNvGrpSpPr/>
+        <p:nvPr/>
+      </p:nvGrpSpPr>
+      <p:grpSpPr>
+        <a:xfrm>
+          <a:off x="0" y="0"/>
+          <a:ext cx="0" cy="0"/>
+          <a:chOff x="0" y="0"/>
+          <a:chExt cx="0" cy="0"/>
+        </a:xfrm>
+      </p:grpSpPr>
+      <p:sp>
+        <p:nvSpPr>
+          <p:cNvPr id="2" name="Title 1"/>
+          <p:cNvSpPr>
+            <a:spLocks noGrp="1"/>
+          </p:cNvSpPr>
+          <p:nvPr>
+            <p:ph type="title"/>
+          </p:nvPr>
+        </p:nvSpPr>
+        <p:spPr>
+          <a:xfrm>
+            <a:off x="457200" y="190414"/>
+            <a:ext cx="8229600" cy="543509"/>
+          </a:xfrm>
+        </p:spPr>
+        <p:txBody>
+          <a:bodyPr>
+            <a:normAutofit fontScale="90000"/>
+          </a:bodyPr>
+          <a:lstStyle/>
+          <a:p>
+            <a:pPr algn="l"/>
+            <a:r>
+              <a:rPr sz="3200" b="1" dirty="0">
+                <a:latin typeface="Times New Roman" panose="02020603050405020304" pitchFamily="18" charset="0"/>
+                <a:cs typeface="Times New Roman" panose="02020603050405020304" pitchFamily="18" charset="0"/>
+              </a:rPr>
               <a:t>Future Goals</a:t>
             </a:r>
           </a:p>
@@ -3304,72 +3679,178 @@
             <p:ph idx="1"/>
           </p:nvPr>
         </p:nvSpPr>
-        <p:spPr/>
-        <p:txBody>
-          <a:bodyPr/>
-          <a:lstStyle/>
-          <a:p>
-            <a:r>
-              <a:t>• Version 2.0 Development:</a:t>
-            </a:r>
-          </a:p>
-          <a:p>
-            <a:r>
+        <p:spPr>
+          <a:xfrm>
+            <a:off x="457200" y="794082"/>
+            <a:ext cx="8229600" cy="5873504"/>
+          </a:xfrm>
+        </p:spPr>
+        <p:txBody>
+          <a:bodyPr>
+            <a:noAutofit/>
+          </a:bodyPr>
+          <a:lstStyle/>
+          <a:p>
+            <a:pPr algn="just"/>
+            <a:r>
+              <a:rPr sz="2400" dirty="0">
+                <a:latin typeface="Times New Roman" panose="02020603050405020304" pitchFamily="18" charset="0"/>
+                <a:cs typeface="Times New Roman" panose="02020603050405020304" pitchFamily="18" charset="0"/>
+              </a:rPr>
+              <a:t>Version 2.0 Development:</a:t>
+            </a:r>
+          </a:p>
+          <a:p>
+            <a:pPr marL="0" indent="0" algn="just">
+              <a:buNone/>
+            </a:pPr>
+            <a:r>
+              <a:rPr sz="2400" dirty="0">
+                <a:latin typeface="Times New Roman" panose="02020603050405020304" pitchFamily="18" charset="0"/>
+                <a:cs typeface="Times New Roman" panose="02020603050405020304" pitchFamily="18" charset="0"/>
+              </a:rPr>
               <a:t>  - Add more input features for better accuracy</a:t>
             </a:r>
           </a:p>
           <a:p>
-            <a:r>
+            <a:pPr marL="0" indent="0" algn="just">
+              <a:buNone/>
+            </a:pPr>
+            <a:r>
+              <a:rPr sz="2400" dirty="0">
+                <a:latin typeface="Times New Roman" panose="02020603050405020304" pitchFamily="18" charset="0"/>
+                <a:cs typeface="Times New Roman" panose="02020603050405020304" pitchFamily="18" charset="0"/>
+              </a:rPr>
               <a:t>  - Improve UI with tooltips and better explanations</a:t>
             </a:r>
           </a:p>
           <a:p>
-            <a:r>
+            <a:pPr marL="0" indent="0" algn="just">
+              <a:buNone/>
+            </a:pPr>
+            <a:r>
+              <a:rPr sz="2400" dirty="0">
+                <a:latin typeface="Times New Roman" panose="02020603050405020304" pitchFamily="18" charset="0"/>
+                <a:cs typeface="Times New Roman" panose="02020603050405020304" pitchFamily="18" charset="0"/>
+              </a:rPr>
               <a:t>  - Implement advanced risk scoring algorithms</a:t>
             </a:r>
           </a:p>
           <a:p>
-            <a:r>
+            <a:pPr marL="0" indent="0" algn="just">
+              <a:buNone/>
+            </a:pPr>
+            <a:r>
+              <a:rPr sz="2400" dirty="0">
+                <a:latin typeface="Times New Roman" panose="02020603050405020304" pitchFamily="18" charset="0"/>
+                <a:cs typeface="Times New Roman" panose="02020603050405020304" pitchFamily="18" charset="0"/>
+              </a:rPr>
               <a:t>  - Add batch processing capabilities</a:t>
             </a:r>
           </a:p>
           <a:p>
-            <a:r>
-              <a:t>• Model Improvements:</a:t>
-            </a:r>
-          </a:p>
-          <a:p>
-            <a:r>
+            <a:pPr algn="just"/>
+            <a:r>
+              <a:rPr sz="2400" dirty="0">
+                <a:latin typeface="Times New Roman" panose="02020603050405020304" pitchFamily="18" charset="0"/>
+                <a:cs typeface="Times New Roman" panose="02020603050405020304" pitchFamily="18" charset="0"/>
+              </a:rPr>
+              <a:t>Model Improvements:</a:t>
+            </a:r>
+          </a:p>
+          <a:p>
+            <a:pPr marL="0" indent="0" algn="just">
+              <a:buNone/>
+            </a:pPr>
+            <a:r>
+              <a:rPr sz="2400" dirty="0">
+                <a:latin typeface="Times New Roman" panose="02020603050405020304" pitchFamily="18" charset="0"/>
+                <a:cs typeface="Times New Roman" panose="02020603050405020304" pitchFamily="18" charset="0"/>
+              </a:rPr>
               <a:t>  - Regular retraining with new data</a:t>
             </a:r>
           </a:p>
           <a:p>
-            <a:r>
+            <a:pPr marL="0" indent="0" algn="just">
+              <a:buNone/>
+            </a:pPr>
+            <a:r>
+              <a:rPr sz="2400" dirty="0">
+                <a:latin typeface="Times New Roman" panose="02020603050405020304" pitchFamily="18" charset="0"/>
+                <a:cs typeface="Times New Roman" panose="02020603050405020304" pitchFamily="18" charset="0"/>
+              </a:rPr>
               <a:t>  - Hyperparameter optimization</a:t>
             </a:r>
           </a:p>
           <a:p>
-            <a:r>
+            <a:pPr marL="0" indent="0" algn="just">
+              <a:buNone/>
+            </a:pPr>
+            <a:r>
+              <a:rPr sz="2400" dirty="0">
+                <a:latin typeface="Times New Roman" panose="02020603050405020304" pitchFamily="18" charset="0"/>
+                <a:cs typeface="Times New Roman" panose="02020603050405020304" pitchFamily="18" charset="0"/>
+              </a:rPr>
               <a:t>  - Ensemble model development</a:t>
             </a:r>
           </a:p>
           <a:p>
-            <a:r>
-              <a:t>• Deployment Enhancements:</a:t>
-            </a:r>
-          </a:p>
-          <a:p>
-            <a:r>
-              <a:t>  - Cloud deployment (Heroku, Streamlit Cloud)</a:t>
-            </a:r>
-          </a:p>
-          <a:p>
-            <a:r>
+            <a:pPr algn="just"/>
+            <a:r>
+              <a:rPr sz="2400" dirty="0">
+                <a:latin typeface="Times New Roman" panose="02020603050405020304" pitchFamily="18" charset="0"/>
+                <a:cs typeface="Times New Roman" panose="02020603050405020304" pitchFamily="18" charset="0"/>
+              </a:rPr>
+              <a:t>Deployment Enhancements:</a:t>
+            </a:r>
+          </a:p>
+          <a:p>
+            <a:pPr marL="0" indent="0" algn="just">
+              <a:buNone/>
+            </a:pPr>
+            <a:r>
+              <a:rPr sz="2400" dirty="0">
+                <a:latin typeface="Times New Roman" panose="02020603050405020304" pitchFamily="18" charset="0"/>
+                <a:cs typeface="Times New Roman" panose="02020603050405020304" pitchFamily="18" charset="0"/>
+              </a:rPr>
+              <a:t>  - Cloud deployment (Heroku, </a:t>
+            </a:r>
+            <a:r>
+              <a:rPr sz="2400" dirty="0" err="1">
+                <a:latin typeface="Times New Roman" panose="02020603050405020304" pitchFamily="18" charset="0"/>
+                <a:cs typeface="Times New Roman" panose="02020603050405020304" pitchFamily="18" charset="0"/>
+              </a:rPr>
+              <a:t>Streamlit</a:t>
+            </a:r>
+            <a:r>
+              <a:rPr sz="2400" dirty="0">
+                <a:latin typeface="Times New Roman" panose="02020603050405020304" pitchFamily="18" charset="0"/>
+                <a:cs typeface="Times New Roman" panose="02020603050405020304" pitchFamily="18" charset="0"/>
+              </a:rPr>
+              <a:t> Cloud)</a:t>
+            </a:r>
+          </a:p>
+          <a:p>
+            <a:pPr marL="0" indent="0" algn="just">
+              <a:buNone/>
+            </a:pPr>
+            <a:r>
+              <a:rPr sz="2400" dirty="0">
+                <a:latin typeface="Times New Roman" panose="02020603050405020304" pitchFamily="18" charset="0"/>
+                <a:cs typeface="Times New Roman" panose="02020603050405020304" pitchFamily="18" charset="0"/>
+              </a:rPr>
               <a:t>  - API development for integration</a:t>
             </a:r>
           </a:p>
           <a:p>
-            <a:r>
+            <a:pPr marL="0" indent="0" algn="just">
+              <a:buNone/>
+            </a:pPr>
+            <a:r>
+              <a:rPr sz="2400" dirty="0">
+                <a:latin typeface="Times New Roman" panose="02020603050405020304" pitchFamily="18" charset="0"/>
+                <a:cs typeface="Times New Roman" panose="02020603050405020304" pitchFamily="18" charset="0"/>
+              </a:rPr>
               <a:t>  - Mobile application development</a:t>
             </a:r>
           </a:p>
@@ -3384,7 +3865,7 @@
 </file>
 
 <file path=ppt/slides/slide2.xml><?xml version="1.0" encoding="utf-8"?>
-<p:sld xmlns:a="http://schemas.openxmlformats.org/drawingml/2006/main" xmlns:p="http://schemas.openxmlformats.org/presentationml/2006/main" xmlns:r="http://schemas.openxmlformats.org/officeDocument/2006/relationships">
+<p:sld xmlns:a="http://schemas.openxmlformats.org/drawingml/2006/main" xmlns:r="http://schemas.openxmlformats.org/officeDocument/2006/relationships" xmlns:p="http://schemas.openxmlformats.org/presentationml/2006/main">
   <p:cSld>
     <p:spTree>
       <p:nvGrpSpPr>
@@ -3392,7 +3873,14 @@
         <p:cNvGrpSpPr/>
         <p:nvPr/>
       </p:nvGrpSpPr>
-      <p:grpSpPr/>
+      <p:grpSpPr>
+        <a:xfrm>
+          <a:off x="0" y="0"/>
+          <a:ext cx="0" cy="0"/>
+          <a:chOff x="0" y="0"/>
+          <a:chExt cx="0" cy="0"/>
+        </a:xfrm>
+      </p:grpSpPr>
       <p:sp>
         <p:nvSpPr>
           <p:cNvPr id="2" name="Title 1"/>
@@ -3405,11 +3893,18 @@
         </p:nvSpPr>
         <p:spPr/>
         <p:txBody>
-          <a:bodyPr/>
-          <a:lstStyle/>
-          <a:p>
-            <a:r>
-              <a:t>Datasets (Sources, Descriptions etc.)</a:t>
+          <a:bodyPr>
+            <a:normAutofit/>
+          </a:bodyPr>
+          <a:lstStyle/>
+          <a:p>
+            <a:pPr algn="l"/>
+            <a:r>
+              <a:rPr sz="3200" b="1" dirty="0">
+                <a:latin typeface="Times New Roman" panose="02020603050405020304" pitchFamily="18" charset="0"/>
+                <a:cs typeface="Times New Roman" panose="02020603050405020304" pitchFamily="18" charset="0"/>
+              </a:rPr>
+              <a:t>Problem Statement</a:t>
             </a:r>
           </a:p>
         </p:txBody>
@@ -3426,36 +3921,65 @@
         </p:nvSpPr>
         <p:spPr/>
         <p:txBody>
-          <a:bodyPr/>
-          <a:lstStyle/>
-          <a:p>
-            <a:r>
-              <a:t>• Primary Dataset: Cleaned_Ethereum_Fraud_Detection.csv</a:t>
-            </a:r>
-          </a:p>
-          <a:p>
-            <a:r>
-              <a:t>• Model Artifacts: random_forest_model.pkl, logistic_regression_model.pkl, scaler.pkl</a:t>
-            </a:r>
-          </a:p>
-          <a:p>
-            <a:r>
-              <a:t>• Feedback Dataset: Suggestions_Dataset.csv (collected post-deployment)</a:t>
-            </a:r>
-          </a:p>
-          <a:p>
-            <a:r>
-              <a:t>• Features: Transaction counts, ETH values, ERC20 metrics</a:t>
-            </a:r>
-          </a:p>
-          <a:p>
-            <a:r>
-              <a:t>• Target: Binary fraud classification</a:t>
-            </a:r>
-          </a:p>
-          <a:p>
-            <a:r>
-              <a:t>• Models trained in Assignment 03, deployed in Assignment 04</a:t>
+          <a:bodyPr>
+            <a:normAutofit fontScale="92500" lnSpcReduction="20000"/>
+          </a:bodyPr>
+          <a:lstStyle/>
+          <a:p>
+            <a:pPr algn="just"/>
+            <a:r>
+              <a:rPr lang="en-US" dirty="0">
+                <a:latin typeface="Times New Roman" panose="02020603050405020304" pitchFamily="18" charset="0"/>
+                <a:cs typeface="Times New Roman" panose="02020603050405020304" pitchFamily="18" charset="0"/>
+              </a:rPr>
+              <a:t>T</a:t>
+            </a:r>
+            <a:r>
+              <a:rPr dirty="0">
+                <a:latin typeface="Times New Roman" panose="02020603050405020304" pitchFamily="18" charset="0"/>
+                <a:cs typeface="Times New Roman" panose="02020603050405020304" pitchFamily="18" charset="0"/>
+              </a:rPr>
+              <a:t>ransition fraud detection models from development to production</a:t>
+            </a:r>
+          </a:p>
+          <a:p>
+            <a:pPr algn="just"/>
+            <a:r>
+              <a:rPr dirty="0">
+                <a:latin typeface="Times New Roman" panose="02020603050405020304" pitchFamily="18" charset="0"/>
+                <a:cs typeface="Times New Roman" panose="02020603050405020304" pitchFamily="18" charset="0"/>
+              </a:rPr>
+              <a:t>Deploy machine learning models for real-world Ethereum fraud detection</a:t>
+            </a:r>
+          </a:p>
+          <a:p>
+            <a:pPr algn="just"/>
+            <a:r>
+              <a:rPr dirty="0">
+                <a:latin typeface="Times New Roman" panose="02020603050405020304" pitchFamily="18" charset="0"/>
+                <a:cs typeface="Times New Roman" panose="02020603050405020304" pitchFamily="18" charset="0"/>
+              </a:rPr>
+              <a:t>Create user-friendly interface for fraud risk assessment</a:t>
+            </a:r>
+          </a:p>
+          <a:p>
+            <a:pPr algn="just"/>
+            <a:r>
+              <a:rPr dirty="0">
+                <a:latin typeface="Times New Roman" panose="02020603050405020304" pitchFamily="18" charset="0"/>
+                <a:cs typeface="Times New Roman" panose="02020603050405020304" pitchFamily="18" charset="0"/>
+              </a:rPr>
+              <a:t>Collect and analyze user feedback for iterative improvements</a:t>
+            </a:r>
+          </a:p>
+          <a:p>
+            <a:pPr algn="just"/>
+            <a:r>
+              <a:rPr dirty="0">
+                <a:latin typeface="Times New Roman" panose="02020603050405020304" pitchFamily="18" charset="0"/>
+                <a:cs typeface="Times New Roman" panose="02020603050405020304" pitchFamily="18" charset="0"/>
+              </a:rPr>
+              <a:t>Demonstrate complete data science project lifecycle</a:t>
             </a:r>
           </a:p>
         </p:txBody>
@@ -3469,7 +3993,7 @@
 </file>
 
 <file path=ppt/slides/slide3.xml><?xml version="1.0" encoding="utf-8"?>
-<p:sld xmlns:a="http://schemas.openxmlformats.org/drawingml/2006/main" xmlns:p="http://schemas.openxmlformats.org/presentationml/2006/main" xmlns:r="http://schemas.openxmlformats.org/officeDocument/2006/relationships">
+<p:sld xmlns:a="http://schemas.openxmlformats.org/drawingml/2006/main" xmlns:r="http://schemas.openxmlformats.org/officeDocument/2006/relationships" xmlns:p="http://schemas.openxmlformats.org/presentationml/2006/main">
   <p:cSld>
     <p:spTree>
       <p:nvGrpSpPr>
@@ -3477,7 +4001,14 @@
         <p:cNvGrpSpPr/>
         <p:nvPr/>
       </p:nvGrpSpPr>
-      <p:grpSpPr/>
+      <p:grpSpPr>
+        <a:xfrm>
+          <a:off x="0" y="0"/>
+          <a:ext cx="0" cy="0"/>
+          <a:chOff x="0" y="0"/>
+          <a:chExt cx="0" cy="0"/>
+        </a:xfrm>
+      </p:grpSpPr>
       <p:sp>
         <p:nvSpPr>
           <p:cNvPr id="2" name="Title 1"/>
@@ -3490,11 +4021,18 @@
         </p:nvSpPr>
         <p:spPr/>
         <p:txBody>
-          <a:bodyPr/>
-          <a:lstStyle/>
-          <a:p>
-            <a:r>
-              <a:t>Analytical Approach</a:t>
+          <a:bodyPr>
+            <a:normAutofit/>
+          </a:bodyPr>
+          <a:lstStyle/>
+          <a:p>
+            <a:pPr algn="l"/>
+            <a:r>
+              <a:rPr sz="3200" b="1" dirty="0">
+                <a:latin typeface="Times New Roman" panose="02020603050405020304" pitchFamily="18" charset="0"/>
+                <a:cs typeface="Times New Roman" panose="02020603050405020304" pitchFamily="18" charset="0"/>
+              </a:rPr>
+              <a:t>Datasets (Sources, Descriptions etc.)</a:t>
             </a:r>
           </a:p>
         </p:txBody>
@@ -3511,41 +4049,136 @@
         </p:nvSpPr>
         <p:spPr/>
         <p:txBody>
-          <a:bodyPr/>
-          <a:lstStyle/>
-          <a:p>
-            <a:r>
-              <a:t>• Model Deployment: Load pre-trained models from Assignment 03</a:t>
-            </a:r>
-          </a:p>
-          <a:p>
-            <a:r>
-              <a:t>• Web Application Development: Streamlit for user interface</a:t>
-            </a:r>
-          </a:p>
-          <a:p>
-            <a:r>
-              <a:t>• User Input Processing: Accept transaction features via web form</a:t>
-            </a:r>
-          </a:p>
-          <a:p>
-            <a:r>
-              <a:t>• Prediction Generation: Real-time fraud risk assessment</a:t>
-            </a:r>
-          </a:p>
-          <a:p>
-            <a:r>
-              <a:t>• Model Comparison: Display results from both RF and LR models</a:t>
-            </a:r>
-          </a:p>
-          <a:p>
-            <a:r>
-              <a:t>• Feedback Collection: Google Forms for user suggestions</a:t>
-            </a:r>
-          </a:p>
-          <a:p>
-            <a:r>
-              <a:t>• Feedback Analysis: Thematic analysis of improvement suggestions</a:t>
+          <a:bodyPr>
+            <a:normAutofit fontScale="85000" lnSpcReduction="20000"/>
+          </a:bodyPr>
+          <a:lstStyle/>
+          <a:p>
+            <a:r>
+              <a:rPr i="1" dirty="0">
+                <a:latin typeface="Times New Roman" panose="02020603050405020304" pitchFamily="18" charset="0"/>
+                <a:cs typeface="Times New Roman" panose="02020603050405020304" pitchFamily="18" charset="0"/>
+              </a:rPr>
+              <a:t>Primary Dataset:</a:t>
+            </a:r>
+            <a:r>
+              <a:rPr lang="en-US" i="1" dirty="0">
+                <a:latin typeface="Times New Roman" panose="02020603050405020304" pitchFamily="18" charset="0"/>
+                <a:cs typeface="Times New Roman" panose="02020603050405020304" pitchFamily="18" charset="0"/>
+              </a:rPr>
+              <a:t> </a:t>
+            </a:r>
+            <a:r>
+              <a:rPr dirty="0">
+                <a:latin typeface="Times New Roman" panose="02020603050405020304" pitchFamily="18" charset="0"/>
+                <a:cs typeface="Times New Roman" panose="02020603050405020304" pitchFamily="18" charset="0"/>
+              </a:rPr>
+              <a:t>Cleaned_Ethereum_Fraud_Detection.csv</a:t>
+            </a:r>
+          </a:p>
+          <a:p>
+            <a:r>
+              <a:rPr i="1" dirty="0">
+                <a:latin typeface="Times New Roman" panose="02020603050405020304" pitchFamily="18" charset="0"/>
+                <a:cs typeface="Times New Roman" panose="02020603050405020304" pitchFamily="18" charset="0"/>
+              </a:rPr>
+              <a:t>Model Artifacts: </a:t>
+            </a:r>
+            <a:r>
+              <a:rPr dirty="0" err="1">
+                <a:latin typeface="Times New Roman" panose="02020603050405020304" pitchFamily="18" charset="0"/>
+                <a:cs typeface="Times New Roman" panose="02020603050405020304" pitchFamily="18" charset="0"/>
+              </a:rPr>
+              <a:t>random_forest_model.pkl</a:t>
+            </a:r>
+            <a:r>
+              <a:rPr dirty="0">
+                <a:latin typeface="Times New Roman" panose="02020603050405020304" pitchFamily="18" charset="0"/>
+                <a:cs typeface="Times New Roman" panose="02020603050405020304" pitchFamily="18" charset="0"/>
+              </a:rPr>
+              <a:t>, </a:t>
+            </a:r>
+            <a:r>
+              <a:rPr dirty="0" err="1">
+                <a:latin typeface="Times New Roman" panose="02020603050405020304" pitchFamily="18" charset="0"/>
+                <a:cs typeface="Times New Roman" panose="02020603050405020304" pitchFamily="18" charset="0"/>
+              </a:rPr>
+              <a:t>logistic_regression_model.pkl</a:t>
+            </a:r>
+            <a:r>
+              <a:rPr dirty="0">
+                <a:latin typeface="Times New Roman" panose="02020603050405020304" pitchFamily="18" charset="0"/>
+                <a:cs typeface="Times New Roman" panose="02020603050405020304" pitchFamily="18" charset="0"/>
+              </a:rPr>
+              <a:t>, </a:t>
+            </a:r>
+            <a:r>
+              <a:rPr dirty="0" err="1">
+                <a:latin typeface="Times New Roman" panose="02020603050405020304" pitchFamily="18" charset="0"/>
+                <a:cs typeface="Times New Roman" panose="02020603050405020304" pitchFamily="18" charset="0"/>
+              </a:rPr>
+              <a:t>scaler.pkl</a:t>
+            </a:r>
+            <a:endParaRPr dirty="0">
+              <a:latin typeface="Times New Roman" panose="02020603050405020304" pitchFamily="18" charset="0"/>
+              <a:cs typeface="Times New Roman" panose="02020603050405020304" pitchFamily="18" charset="0"/>
+            </a:endParaRPr>
+          </a:p>
+          <a:p>
+            <a:r>
+              <a:rPr i="1" dirty="0">
+                <a:latin typeface="Times New Roman" panose="02020603050405020304" pitchFamily="18" charset="0"/>
+                <a:cs typeface="Times New Roman" panose="02020603050405020304" pitchFamily="18" charset="0"/>
+              </a:rPr>
+              <a:t>Feedback Dataset: </a:t>
+            </a:r>
+            <a:r>
+              <a:rPr dirty="0">
+                <a:latin typeface="Times New Roman" panose="02020603050405020304" pitchFamily="18" charset="0"/>
+                <a:cs typeface="Times New Roman" panose="02020603050405020304" pitchFamily="18" charset="0"/>
+              </a:rPr>
+              <a:t>Suggestions_Dataset.csv (collected post-deployment)</a:t>
+            </a:r>
+          </a:p>
+          <a:p>
+            <a:r>
+              <a:rPr i="1" dirty="0">
+                <a:latin typeface="Times New Roman" panose="02020603050405020304" pitchFamily="18" charset="0"/>
+                <a:cs typeface="Times New Roman" panose="02020603050405020304" pitchFamily="18" charset="0"/>
+              </a:rPr>
+              <a:t>Features: </a:t>
+            </a:r>
+            <a:r>
+              <a:rPr dirty="0">
+                <a:latin typeface="Times New Roman" panose="02020603050405020304" pitchFamily="18" charset="0"/>
+                <a:cs typeface="Times New Roman" panose="02020603050405020304" pitchFamily="18" charset="0"/>
+              </a:rPr>
+              <a:t>Transaction counts, ETH values, ERC20 metrics</a:t>
+            </a:r>
+          </a:p>
+          <a:p>
+            <a:r>
+              <a:rPr i="1" dirty="0">
+                <a:latin typeface="Times New Roman" panose="02020603050405020304" pitchFamily="18" charset="0"/>
+                <a:cs typeface="Times New Roman" panose="02020603050405020304" pitchFamily="18" charset="0"/>
+              </a:rPr>
+              <a:t>Target: </a:t>
+            </a:r>
+            <a:r>
+              <a:rPr dirty="0">
+                <a:latin typeface="Times New Roman" panose="02020603050405020304" pitchFamily="18" charset="0"/>
+                <a:cs typeface="Times New Roman" panose="02020603050405020304" pitchFamily="18" charset="0"/>
+              </a:rPr>
+              <a:t>Binary fraud classification</a:t>
+            </a:r>
+          </a:p>
+          <a:p>
+            <a:r>
+              <a:rPr dirty="0">
+                <a:latin typeface="Times New Roman" panose="02020603050405020304" pitchFamily="18" charset="0"/>
+                <a:cs typeface="Times New Roman" panose="02020603050405020304" pitchFamily="18" charset="0"/>
+              </a:rPr>
+              <a:t>Models trained in Assignment 03, deployed in Assignment 04</a:t>
             </a:r>
           </a:p>
         </p:txBody>
@@ -3559,7 +4192,7 @@
 </file>
 
 <file path=ppt/slides/slide4.xml><?xml version="1.0" encoding="utf-8"?>
-<p:sld xmlns:a="http://schemas.openxmlformats.org/drawingml/2006/main" xmlns:p="http://schemas.openxmlformats.org/presentationml/2006/main" xmlns:r="http://schemas.openxmlformats.org/officeDocument/2006/relationships">
+<p:sld xmlns:a="http://schemas.openxmlformats.org/drawingml/2006/main" xmlns:r="http://schemas.openxmlformats.org/officeDocument/2006/relationships" xmlns:p="http://schemas.openxmlformats.org/presentationml/2006/main">
   <p:cSld>
     <p:spTree>
       <p:nvGrpSpPr>
@@ -3567,7 +4200,14 @@
         <p:cNvGrpSpPr/>
         <p:nvPr/>
       </p:nvGrpSpPr>
-      <p:grpSpPr/>
+      <p:grpSpPr>
+        <a:xfrm>
+          <a:off x="0" y="0"/>
+          <a:ext cx="0" cy="0"/>
+          <a:chOff x="0" y="0"/>
+          <a:chExt cx="0" cy="0"/>
+        </a:xfrm>
+      </p:grpSpPr>
       <p:sp>
         <p:nvSpPr>
           <p:cNvPr id="2" name="Title 1"/>
@@ -3580,11 +4220,18 @@
         </p:nvSpPr>
         <p:spPr/>
         <p:txBody>
-          <a:bodyPr/>
-          <a:lstStyle/>
-          <a:p>
-            <a:r>
-              <a:t>Your Project Methodology</a:t>
+          <a:bodyPr>
+            <a:normAutofit/>
+          </a:bodyPr>
+          <a:lstStyle/>
+          <a:p>
+            <a:pPr algn="l"/>
+            <a:r>
+              <a:rPr sz="3200" b="1" dirty="0">
+                <a:latin typeface="Times New Roman" panose="02020603050405020304" pitchFamily="18" charset="0"/>
+                <a:cs typeface="Times New Roman" panose="02020603050405020304" pitchFamily="18" charset="0"/>
+              </a:rPr>
+              <a:t>Analytical Approach</a:t>
             </a:r>
           </a:p>
         </p:txBody>
@@ -3601,46 +4248,134 @@
         </p:nvSpPr>
         <p:spPr/>
         <p:txBody>
-          <a:bodyPr/>
-          <a:lstStyle/>
-          <a:p>
-            <a:r>
-              <a:t>• Load pre-trained models using pickle</a:t>
-            </a:r>
-          </a:p>
-          <a:p>
-            <a:r>
-              <a:t>• Develop Streamlit web application</a:t>
-            </a:r>
-          </a:p>
-          <a:p>
-            <a:r>
-              <a:t>• Implement user input interface for transaction features</a:t>
-            </a:r>
-          </a:p>
-          <a:p>
-            <a:r>
-              <a:t>• Process inputs and generate predictions</a:t>
-            </a:r>
-          </a:p>
-          <a:p>
-            <a:r>
-              <a:t>• Display results with probability scores and risk visualization</a:t>
-            </a:r>
-          </a:p>
-          <a:p>
-            <a:r>
-              <a:t>• Compare Random Forest and Logistic Regression outputs</a:t>
-            </a:r>
-          </a:p>
-          <a:p>
-            <a:r>
-              <a:t>• Collect user feedback via structured forms</a:t>
-            </a:r>
-          </a:p>
-          <a:p>
-            <a:r>
-              <a:t>• Analyze feedback themes and prioritize improvements</a:t>
+          <a:bodyPr>
+            <a:normAutofit fontScale="77500" lnSpcReduction="20000"/>
+          </a:bodyPr>
+          <a:lstStyle/>
+          <a:p>
+            <a:pPr algn="just"/>
+            <a:r>
+              <a:rPr i="1" dirty="0">
+                <a:latin typeface="Times New Roman" panose="02020603050405020304" pitchFamily="18" charset="0"/>
+                <a:cs typeface="Times New Roman" panose="02020603050405020304" pitchFamily="18" charset="0"/>
+              </a:rPr>
+              <a:t>Model Deployment: </a:t>
+            </a:r>
+            <a:r>
+              <a:rPr dirty="0">
+                <a:latin typeface="Times New Roman" panose="02020603050405020304" pitchFamily="18" charset="0"/>
+                <a:cs typeface="Times New Roman" panose="02020603050405020304" pitchFamily="18" charset="0"/>
+              </a:rPr>
+              <a:t>Load pre-trained models from Assignment 03</a:t>
+            </a:r>
+          </a:p>
+          <a:p>
+            <a:pPr algn="just"/>
+            <a:r>
+              <a:rPr i="1" dirty="0">
+                <a:latin typeface="Times New Roman" panose="02020603050405020304" pitchFamily="18" charset="0"/>
+                <a:cs typeface="Times New Roman" panose="02020603050405020304" pitchFamily="18" charset="0"/>
+              </a:rPr>
+              <a:t>Web Application Development: </a:t>
+            </a:r>
+            <a:r>
+              <a:rPr dirty="0" err="1">
+                <a:latin typeface="Times New Roman" panose="02020603050405020304" pitchFamily="18" charset="0"/>
+                <a:cs typeface="Times New Roman" panose="02020603050405020304" pitchFamily="18" charset="0"/>
+              </a:rPr>
+              <a:t>Streamlit</a:t>
+            </a:r>
+            <a:r>
+              <a:rPr dirty="0">
+                <a:latin typeface="Times New Roman" panose="02020603050405020304" pitchFamily="18" charset="0"/>
+                <a:cs typeface="Times New Roman" panose="02020603050405020304" pitchFamily="18" charset="0"/>
+              </a:rPr>
+              <a:t> for user interface</a:t>
+            </a:r>
+          </a:p>
+          <a:p>
+            <a:pPr algn="just"/>
+            <a:r>
+              <a:rPr i="1" dirty="0">
+                <a:latin typeface="Times New Roman" panose="02020603050405020304" pitchFamily="18" charset="0"/>
+                <a:cs typeface="Times New Roman" panose="02020603050405020304" pitchFamily="18" charset="0"/>
+              </a:rPr>
+              <a:t>User Input Processing: </a:t>
+            </a:r>
+            <a:r>
+              <a:rPr dirty="0">
+                <a:latin typeface="Times New Roman" panose="02020603050405020304" pitchFamily="18" charset="0"/>
+                <a:cs typeface="Times New Roman" panose="02020603050405020304" pitchFamily="18" charset="0"/>
+              </a:rPr>
+              <a:t>Accept transaction features via web form</a:t>
+            </a:r>
+          </a:p>
+          <a:p>
+            <a:pPr algn="just"/>
+            <a:r>
+              <a:rPr i="1" dirty="0">
+                <a:latin typeface="Times New Roman" panose="02020603050405020304" pitchFamily="18" charset="0"/>
+                <a:cs typeface="Times New Roman" panose="02020603050405020304" pitchFamily="18" charset="0"/>
+              </a:rPr>
+              <a:t>Prediction Generation: </a:t>
+            </a:r>
+            <a:r>
+              <a:rPr dirty="0">
+                <a:latin typeface="Times New Roman" panose="02020603050405020304" pitchFamily="18" charset="0"/>
+                <a:cs typeface="Times New Roman" panose="02020603050405020304" pitchFamily="18" charset="0"/>
+              </a:rPr>
+              <a:t>Real-time fraud risk assessment</a:t>
+            </a:r>
+          </a:p>
+          <a:p>
+            <a:pPr algn="just"/>
+            <a:r>
+              <a:rPr i="1" dirty="0">
+                <a:latin typeface="Times New Roman" panose="02020603050405020304" pitchFamily="18" charset="0"/>
+                <a:cs typeface="Times New Roman" panose="02020603050405020304" pitchFamily="18" charset="0"/>
+              </a:rPr>
+              <a:t>Model Comparison: </a:t>
+            </a:r>
+            <a:r>
+              <a:rPr dirty="0">
+                <a:latin typeface="Times New Roman" panose="02020603050405020304" pitchFamily="18" charset="0"/>
+                <a:cs typeface="Times New Roman" panose="02020603050405020304" pitchFamily="18" charset="0"/>
+              </a:rPr>
+              <a:t>Display results from both RF and LR models</a:t>
+            </a:r>
+          </a:p>
+          <a:p>
+            <a:pPr algn="just"/>
+            <a:r>
+              <a:rPr i="1" dirty="0">
+                <a:latin typeface="Times New Roman" panose="02020603050405020304" pitchFamily="18" charset="0"/>
+                <a:cs typeface="Times New Roman" panose="02020603050405020304" pitchFamily="18" charset="0"/>
+              </a:rPr>
+              <a:t>Feedback Collection: </a:t>
+            </a:r>
+            <a:r>
+              <a:rPr dirty="0">
+                <a:latin typeface="Times New Roman" panose="02020603050405020304" pitchFamily="18" charset="0"/>
+                <a:cs typeface="Times New Roman" panose="02020603050405020304" pitchFamily="18" charset="0"/>
+              </a:rPr>
+              <a:t>Google Forms for user suggestions</a:t>
+            </a:r>
+          </a:p>
+          <a:p>
+            <a:pPr algn="just"/>
+            <a:r>
+              <a:rPr i="1" dirty="0">
+                <a:latin typeface="Times New Roman" panose="02020603050405020304" pitchFamily="18" charset="0"/>
+                <a:cs typeface="Times New Roman" panose="02020603050405020304" pitchFamily="18" charset="0"/>
+              </a:rPr>
+              <a:t>Feedback Analysis: </a:t>
+            </a:r>
+            <a:r>
+              <a:rPr dirty="0">
+                <a:latin typeface="Times New Roman" panose="02020603050405020304" pitchFamily="18" charset="0"/>
+                <a:cs typeface="Times New Roman" panose="02020603050405020304" pitchFamily="18" charset="0"/>
+              </a:rPr>
+              <a:t>Thematic analysis of improvement suggestions</a:t>
             </a:r>
           </a:p>
         </p:txBody>
@@ -3654,7 +4389,7 @@
 </file>
 
 <file path=ppt/slides/slide5.xml><?xml version="1.0" encoding="utf-8"?>
-<p:sld xmlns:a="http://schemas.openxmlformats.org/drawingml/2006/main" xmlns:p="http://schemas.openxmlformats.org/presentationml/2006/main" xmlns:r="http://schemas.openxmlformats.org/officeDocument/2006/relationships">
+<p:sld xmlns:a="http://schemas.openxmlformats.org/drawingml/2006/main" xmlns:r="http://schemas.openxmlformats.org/officeDocument/2006/relationships" xmlns:p="http://schemas.openxmlformats.org/presentationml/2006/main">
   <p:cSld>
     <p:spTree>
       <p:nvGrpSpPr>
@@ -3662,7 +4397,14 @@
         <p:cNvGrpSpPr/>
         <p:nvPr/>
       </p:nvGrpSpPr>
-      <p:grpSpPr/>
+      <p:grpSpPr>
+        <a:xfrm>
+          <a:off x="0" y="0"/>
+          <a:ext cx="0" cy="0"/>
+          <a:chOff x="0" y="0"/>
+          <a:chExt cx="0" cy="0"/>
+        </a:xfrm>
+      </p:grpSpPr>
       <p:sp>
         <p:nvSpPr>
           <p:cNvPr id="2" name="Title 1"/>
@@ -3675,11 +4417,18 @@
         </p:nvSpPr>
         <p:spPr/>
         <p:txBody>
-          <a:bodyPr/>
-          <a:lstStyle/>
-          <a:p>
-            <a:r>
-              <a:t>Preprocessing Techniques</a:t>
+          <a:bodyPr>
+            <a:normAutofit/>
+          </a:bodyPr>
+          <a:lstStyle/>
+          <a:p>
+            <a:pPr algn="l"/>
+            <a:r>
+              <a:rPr sz="3200" b="1" dirty="0">
+                <a:latin typeface="Times New Roman" panose="02020603050405020304" pitchFamily="18" charset="0"/>
+                <a:cs typeface="Times New Roman" panose="02020603050405020304" pitchFamily="18" charset="0"/>
+              </a:rPr>
+              <a:t>Project Methodology</a:t>
             </a:r>
           </a:p>
         </p:txBody>
@@ -3696,36 +4445,102 @@
         </p:nvSpPr>
         <p:spPr/>
         <p:txBody>
-          <a:bodyPr/>
-          <a:lstStyle/>
-          <a:p>
-            <a:r>
-              <a:t>• Model Loading: Deserialize pickle files from Assignment 03</a:t>
-            </a:r>
-          </a:p>
-          <a:p>
-            <a:r>
-              <a:t>• Feature Consistency: Maintain same column order as training</a:t>
-            </a:r>
-          </a:p>
-          <a:p>
-            <a:r>
-              <a:t>• Input Validation: Ensure numeric inputs for transaction features</a:t>
-            </a:r>
-          </a:p>
-          <a:p>
-            <a:r>
-              <a:t>• Scaling Application: Use saved scaler for Logistic Regression</a:t>
-            </a:r>
-          </a:p>
-          <a:p>
-            <a:r>
-              <a:t>• Data Formatting: Convert user inputs to numpy arrays</a:t>
-            </a:r>
-          </a:p>
-          <a:p>
-            <a:r>
-              <a:t>• Error Handling: Graceful handling of missing models or invalid inputs</a:t>
+          <a:bodyPr>
+            <a:normAutofit fontScale="85000" lnSpcReduction="10000"/>
+          </a:bodyPr>
+          <a:lstStyle/>
+          <a:p>
+            <a:pPr algn="just"/>
+            <a:r>
+              <a:rPr dirty="0">
+                <a:latin typeface="Times New Roman" panose="02020603050405020304" pitchFamily="18" charset="0"/>
+                <a:cs typeface="Times New Roman" panose="02020603050405020304" pitchFamily="18" charset="0"/>
+              </a:rPr>
+              <a:t>Load pre-trained models using pickle</a:t>
+            </a:r>
+          </a:p>
+          <a:p>
+            <a:pPr algn="just"/>
+            <a:r>
+              <a:rPr dirty="0">
+                <a:latin typeface="Times New Roman" panose="02020603050405020304" pitchFamily="18" charset="0"/>
+                <a:cs typeface="Times New Roman" panose="02020603050405020304" pitchFamily="18" charset="0"/>
+              </a:rPr>
+              <a:t>Develop </a:t>
+            </a:r>
+            <a:r>
+              <a:rPr dirty="0" err="1">
+                <a:latin typeface="Times New Roman" panose="02020603050405020304" pitchFamily="18" charset="0"/>
+                <a:cs typeface="Times New Roman" panose="02020603050405020304" pitchFamily="18" charset="0"/>
+              </a:rPr>
+              <a:t>Streamlit</a:t>
+            </a:r>
+            <a:r>
+              <a:rPr dirty="0">
+                <a:latin typeface="Times New Roman" panose="02020603050405020304" pitchFamily="18" charset="0"/>
+                <a:cs typeface="Times New Roman" panose="02020603050405020304" pitchFamily="18" charset="0"/>
+              </a:rPr>
+              <a:t> web application</a:t>
+            </a:r>
+          </a:p>
+          <a:p>
+            <a:pPr algn="just"/>
+            <a:r>
+              <a:rPr dirty="0">
+                <a:latin typeface="Times New Roman" panose="02020603050405020304" pitchFamily="18" charset="0"/>
+                <a:cs typeface="Times New Roman" panose="02020603050405020304" pitchFamily="18" charset="0"/>
+              </a:rPr>
+              <a:t>Implement user input interface for transaction features</a:t>
+            </a:r>
+          </a:p>
+          <a:p>
+            <a:pPr algn="just"/>
+            <a:r>
+              <a:rPr dirty="0">
+                <a:latin typeface="Times New Roman" panose="02020603050405020304" pitchFamily="18" charset="0"/>
+                <a:cs typeface="Times New Roman" panose="02020603050405020304" pitchFamily="18" charset="0"/>
+              </a:rPr>
+              <a:t>Process inputs and generate predictions</a:t>
+            </a:r>
+          </a:p>
+          <a:p>
+            <a:pPr algn="just"/>
+            <a:r>
+              <a:rPr dirty="0">
+                <a:latin typeface="Times New Roman" panose="02020603050405020304" pitchFamily="18" charset="0"/>
+                <a:cs typeface="Times New Roman" panose="02020603050405020304" pitchFamily="18" charset="0"/>
+              </a:rPr>
+              <a:t>Display results with probability scores and risk visualization</a:t>
+            </a:r>
+          </a:p>
+          <a:p>
+            <a:pPr algn="just"/>
+            <a:r>
+              <a:rPr dirty="0">
+                <a:latin typeface="Times New Roman" panose="02020603050405020304" pitchFamily="18" charset="0"/>
+                <a:cs typeface="Times New Roman" panose="02020603050405020304" pitchFamily="18" charset="0"/>
+              </a:rPr>
+              <a:t>Compare Random Forest and Logistic Regression outputs</a:t>
+            </a:r>
+          </a:p>
+          <a:p>
+            <a:pPr algn="just"/>
+            <a:r>
+              <a:rPr dirty="0">
+                <a:latin typeface="Times New Roman" panose="02020603050405020304" pitchFamily="18" charset="0"/>
+                <a:cs typeface="Times New Roman" panose="02020603050405020304" pitchFamily="18" charset="0"/>
+              </a:rPr>
+              <a:t>Collect user feedback via structured forms</a:t>
+            </a:r>
+          </a:p>
+          <a:p>
+            <a:pPr algn="just"/>
+            <a:r>
+              <a:rPr dirty="0">
+                <a:latin typeface="Times New Roman" panose="02020603050405020304" pitchFamily="18" charset="0"/>
+                <a:cs typeface="Times New Roman" panose="02020603050405020304" pitchFamily="18" charset="0"/>
+              </a:rPr>
+              <a:t>Analyze feedback themes and prioritize improvements</a:t>
             </a:r>
           </a:p>
         </p:txBody>
@@ -3739,7 +4554,7 @@
 </file>
 
 <file path=ppt/slides/slide6.xml><?xml version="1.0" encoding="utf-8"?>
-<p:sld xmlns:a="http://schemas.openxmlformats.org/drawingml/2006/main" xmlns:p="http://schemas.openxmlformats.org/presentationml/2006/main" xmlns:r="http://schemas.openxmlformats.org/officeDocument/2006/relationships">
+<p:sld xmlns:a="http://schemas.openxmlformats.org/drawingml/2006/main" xmlns:r="http://schemas.openxmlformats.org/officeDocument/2006/relationships" xmlns:p="http://schemas.openxmlformats.org/presentationml/2006/main">
   <p:cSld>
     <p:spTree>
       <p:nvGrpSpPr>
@@ -3747,7 +4562,14 @@
         <p:cNvGrpSpPr/>
         <p:nvPr/>
       </p:nvGrpSpPr>
-      <p:grpSpPr/>
+      <p:grpSpPr>
+        <a:xfrm>
+          <a:off x="0" y="0"/>
+          <a:ext cx="0" cy="0"/>
+          <a:chOff x="0" y="0"/>
+          <a:chExt cx="0" cy="0"/>
+        </a:xfrm>
+      </p:grpSpPr>
       <p:sp>
         <p:nvSpPr>
           <p:cNvPr id="2" name="Title 1"/>
@@ -3760,11 +4582,18 @@
         </p:nvSpPr>
         <p:spPr/>
         <p:txBody>
-          <a:bodyPr/>
-          <a:lstStyle/>
-          <a:p>
-            <a:r>
-              <a:t>Models</a:t>
+          <a:bodyPr>
+            <a:normAutofit/>
+          </a:bodyPr>
+          <a:lstStyle/>
+          <a:p>
+            <a:pPr algn="l"/>
+            <a:r>
+              <a:rPr sz="3200" b="1" dirty="0">
+                <a:latin typeface="Times New Roman" panose="02020603050405020304" pitchFamily="18" charset="0"/>
+                <a:cs typeface="Times New Roman" panose="02020603050405020304" pitchFamily="18" charset="0"/>
+              </a:rPr>
+              <a:t>Preprocessing Techniques</a:t>
             </a:r>
           </a:p>
         </p:txBody>
@@ -3781,51 +4610,124 @@
         </p:nvSpPr>
         <p:spPr/>
         <p:txBody>
-          <a:bodyPr/>
-          <a:lstStyle/>
-          <a:p>
-            <a:r>
-              <a:t>• Primary Model: Random Forest Classifier (200 estimators)</a:t>
-            </a:r>
-          </a:p>
-          <a:p>
-            <a:r>
-              <a:t>  - Superior performance (ROC-AUC: 0.94)</a:t>
-            </a:r>
-          </a:p>
-          <a:p>
-            <a:r>
-              <a:t>  - Better recall for fraud detection</a:t>
-            </a:r>
-          </a:p>
-          <a:p>
-            <a:r>
-              <a:t>  - No feature scaling required</a:t>
-            </a:r>
-          </a:p>
-          <a:p>
-            <a:r>
-              <a:t>• Baseline Model: Logistic Regression</a:t>
-            </a:r>
-          </a:p>
-          <a:p>
-            <a:r>
-              <a:t>  - Interpretable results</a:t>
-            </a:r>
-          </a:p>
-          <a:p>
-            <a:r>
-              <a:t>  - Requires StandardScaler</a:t>
-            </a:r>
-          </a:p>
-          <a:p>
-            <a:r>
-              <a:t>  - Used for model comparison</a:t>
-            </a:r>
-          </a:p>
-          <a:p>
-            <a:r>
-              <a:t>• Selection Criteria: Performance, recall, and deployment simplicity</a:t>
+          <a:bodyPr>
+            <a:normAutofit fontScale="85000" lnSpcReduction="20000"/>
+          </a:bodyPr>
+          <a:lstStyle/>
+          <a:p>
+            <a:pPr algn="just"/>
+            <a:r>
+              <a:rPr i="1" dirty="0">
+                <a:latin typeface="Times New Roman" panose="02020603050405020304" pitchFamily="18" charset="0"/>
+                <a:cs typeface="Times New Roman" panose="02020603050405020304" pitchFamily="18" charset="0"/>
+              </a:rPr>
+              <a:t>Model Loading: </a:t>
+            </a:r>
+            <a:r>
+              <a:rPr dirty="0">
+                <a:latin typeface="Times New Roman" panose="02020603050405020304" pitchFamily="18" charset="0"/>
+                <a:cs typeface="Times New Roman" panose="02020603050405020304" pitchFamily="18" charset="0"/>
+              </a:rPr>
+              <a:t>Deserialize pickle files from Assignment 03</a:t>
+            </a:r>
+          </a:p>
+          <a:p>
+            <a:pPr algn="just"/>
+            <a:r>
+              <a:rPr i="1" dirty="0">
+                <a:latin typeface="Times New Roman" panose="02020603050405020304" pitchFamily="18" charset="0"/>
+                <a:cs typeface="Times New Roman" panose="02020603050405020304" pitchFamily="18" charset="0"/>
+              </a:rPr>
+              <a:t>Feature Consistency: </a:t>
+            </a:r>
+            <a:r>
+              <a:rPr dirty="0">
+                <a:latin typeface="Times New Roman" panose="02020603050405020304" pitchFamily="18" charset="0"/>
+                <a:cs typeface="Times New Roman" panose="02020603050405020304" pitchFamily="18" charset="0"/>
+              </a:rPr>
+              <a:t>Maintain same column order as training</a:t>
+            </a:r>
+          </a:p>
+          <a:p>
+            <a:pPr algn="just"/>
+            <a:r>
+              <a:rPr i="1" dirty="0">
+                <a:latin typeface="Times New Roman" panose="02020603050405020304" pitchFamily="18" charset="0"/>
+                <a:cs typeface="Times New Roman" panose="02020603050405020304" pitchFamily="18" charset="0"/>
+              </a:rPr>
+              <a:t>Input Validation: </a:t>
+            </a:r>
+            <a:r>
+              <a:rPr dirty="0">
+                <a:latin typeface="Times New Roman" panose="02020603050405020304" pitchFamily="18" charset="0"/>
+                <a:cs typeface="Times New Roman" panose="02020603050405020304" pitchFamily="18" charset="0"/>
+              </a:rPr>
+              <a:t>Ensure numeric inputs for transaction features</a:t>
+            </a:r>
+          </a:p>
+          <a:p>
+            <a:pPr algn="just"/>
+            <a:r>
+              <a:rPr i="1" dirty="0">
+                <a:latin typeface="Times New Roman" panose="02020603050405020304" pitchFamily="18" charset="0"/>
+                <a:cs typeface="Times New Roman" panose="02020603050405020304" pitchFamily="18" charset="0"/>
+              </a:rPr>
+              <a:t>Scaling Application: </a:t>
+            </a:r>
+            <a:r>
+              <a:rPr dirty="0">
+                <a:latin typeface="Times New Roman" panose="02020603050405020304" pitchFamily="18" charset="0"/>
+                <a:cs typeface="Times New Roman" panose="02020603050405020304" pitchFamily="18" charset="0"/>
+              </a:rPr>
+              <a:t>Use saved scaler for Logistic Regression</a:t>
+            </a:r>
+          </a:p>
+          <a:p>
+            <a:pPr algn="just"/>
+            <a:r>
+              <a:rPr i="1" dirty="0">
+                <a:latin typeface="Times New Roman" panose="02020603050405020304" pitchFamily="18" charset="0"/>
+                <a:cs typeface="Times New Roman" panose="02020603050405020304" pitchFamily="18" charset="0"/>
+              </a:rPr>
+              <a:t>Data Formatting: </a:t>
+            </a:r>
+            <a:r>
+              <a:rPr dirty="0">
+                <a:latin typeface="Times New Roman" panose="02020603050405020304" pitchFamily="18" charset="0"/>
+                <a:cs typeface="Times New Roman" panose="02020603050405020304" pitchFamily="18" charset="0"/>
+              </a:rPr>
+              <a:t>Convert user inputs to </a:t>
+            </a:r>
+            <a:r>
+              <a:rPr dirty="0" err="1">
+                <a:latin typeface="Times New Roman" panose="02020603050405020304" pitchFamily="18" charset="0"/>
+                <a:cs typeface="Times New Roman" panose="02020603050405020304" pitchFamily="18" charset="0"/>
+              </a:rPr>
+              <a:t>numpy</a:t>
+            </a:r>
+            <a:r>
+              <a:rPr dirty="0">
+                <a:latin typeface="Times New Roman" panose="02020603050405020304" pitchFamily="18" charset="0"/>
+                <a:cs typeface="Times New Roman" panose="02020603050405020304" pitchFamily="18" charset="0"/>
+              </a:rPr>
+              <a:t> arrays</a:t>
+            </a:r>
+          </a:p>
+          <a:p>
+            <a:pPr algn="just"/>
+            <a:r>
+              <a:rPr i="1" dirty="0">
+                <a:latin typeface="Times New Roman" panose="02020603050405020304" pitchFamily="18" charset="0"/>
+                <a:cs typeface="Times New Roman" panose="02020603050405020304" pitchFamily="18" charset="0"/>
+              </a:rPr>
+              <a:t>Error Handling: </a:t>
+            </a:r>
+            <a:r>
+              <a:rPr dirty="0">
+                <a:latin typeface="Times New Roman" panose="02020603050405020304" pitchFamily="18" charset="0"/>
+                <a:cs typeface="Times New Roman" panose="02020603050405020304" pitchFamily="18" charset="0"/>
+              </a:rPr>
+              <a:t>Graceful handling of missing models or invalid inputs</a:t>
             </a:r>
           </a:p>
         </p:txBody>
@@ -3839,7 +4741,7 @@
 </file>
 
 <file path=ppt/slides/slide7.xml><?xml version="1.0" encoding="utf-8"?>
-<p:sld xmlns:a="http://schemas.openxmlformats.org/drawingml/2006/main" xmlns:p="http://schemas.openxmlformats.org/presentationml/2006/main" xmlns:r="http://schemas.openxmlformats.org/officeDocument/2006/relationships">
+<p:sld xmlns:a="http://schemas.openxmlformats.org/drawingml/2006/main" xmlns:r="http://schemas.openxmlformats.org/officeDocument/2006/relationships" xmlns:p="http://schemas.openxmlformats.org/presentationml/2006/main">
   <p:cSld>
     <p:spTree>
       <p:nvGrpSpPr>
@@ -3847,7 +4749,14 @@
         <p:cNvGrpSpPr/>
         <p:nvPr/>
       </p:nvGrpSpPr>
-      <p:grpSpPr/>
+      <p:grpSpPr>
+        <a:xfrm>
+          <a:off x="0" y="0"/>
+          <a:ext cx="0" cy="0"/>
+          <a:chOff x="0" y="0"/>
+          <a:chExt cx="0" cy="0"/>
+        </a:xfrm>
+      </p:grpSpPr>
       <p:sp>
         <p:nvSpPr>
           <p:cNvPr id="2" name="Title 1"/>
@@ -3860,11 +4769,18 @@
         </p:nvSpPr>
         <p:spPr/>
         <p:txBody>
-          <a:bodyPr/>
-          <a:lstStyle/>
-          <a:p>
-            <a:r>
-              <a:t>Results</a:t>
+          <a:bodyPr>
+            <a:normAutofit/>
+          </a:bodyPr>
+          <a:lstStyle/>
+          <a:p>
+            <a:pPr algn="l"/>
+            <a:r>
+              <a:rPr sz="3200" b="1" dirty="0">
+                <a:latin typeface="Times New Roman" panose="02020603050405020304" pitchFamily="18" charset="0"/>
+                <a:cs typeface="Times New Roman" panose="02020603050405020304" pitchFamily="18" charset="0"/>
+              </a:rPr>
+              <a:t>Models</a:t>
             </a:r>
           </a:p>
         </p:txBody>
@@ -3881,56 +4797,142 @@
         </p:nvSpPr>
         <p:spPr/>
         <p:txBody>
-          <a:bodyPr/>
-          <a:lstStyle/>
-          <a:p>
-            <a:r>
-              <a:t>• Successful Streamlit deployment</a:t>
-            </a:r>
-          </a:p>
-          <a:p>
-            <a:r>
-              <a:t>• Web interface accepts 4 key features:</a:t>
-            </a:r>
-          </a:p>
-          <a:p>
-            <a:r>
-              <a:t>  - Total Transactions</a:t>
-            </a:r>
-          </a:p>
-          <a:p>
-            <a:r>
-              <a:t>  - Total ETH Received</a:t>
-            </a:r>
-          </a:p>
-          <a:p>
-            <a:r>
-              <a:t>  - Average Transaction Value</a:t>
-            </a:r>
-          </a:p>
-          <a:p>
-            <a:r>
-              <a:t>  - Number of ERC20 Tokens</a:t>
-            </a:r>
-          </a:p>
-          <a:p>
-            <a:r>
-              <a:t>• Real-time predictions with probability scores</a:t>
-            </a:r>
-          </a:p>
-          <a:p>
-            <a:r>
-              <a:t>• Risk visualization with progress bars</a:t>
-            </a:r>
-          </a:p>
-          <a:p>
-            <a:r>
-              <a:t>• Model comparison table (RF vs LR)</a:t>
-            </a:r>
-          </a:p>
-          <a:p>
-            <a:r>
-              <a:t>• Application ready for local execution</a:t>
+          <a:bodyPr>
+            <a:normAutofit fontScale="85000" lnSpcReduction="20000"/>
+          </a:bodyPr>
+          <a:lstStyle/>
+          <a:p>
+            <a:pPr algn="just"/>
+            <a:r>
+              <a:rPr i="1" dirty="0">
+                <a:latin typeface="Times New Roman" panose="02020603050405020304" pitchFamily="18" charset="0"/>
+                <a:cs typeface="Times New Roman" panose="02020603050405020304" pitchFamily="18" charset="0"/>
+              </a:rPr>
+              <a:t>Primary Model: </a:t>
+            </a:r>
+            <a:r>
+              <a:rPr dirty="0">
+                <a:latin typeface="Times New Roman" panose="02020603050405020304" pitchFamily="18" charset="0"/>
+                <a:cs typeface="Times New Roman" panose="02020603050405020304" pitchFamily="18" charset="0"/>
+              </a:rPr>
+              <a:t>Random Forest Classifier (200 estimators)</a:t>
+            </a:r>
+          </a:p>
+          <a:p>
+            <a:pPr marL="0" indent="0" algn="just">
+              <a:buNone/>
+            </a:pPr>
+            <a:r>
+              <a:rPr dirty="0">
+                <a:latin typeface="Times New Roman" panose="02020603050405020304" pitchFamily="18" charset="0"/>
+                <a:cs typeface="Times New Roman" panose="02020603050405020304" pitchFamily="18" charset="0"/>
+              </a:rPr>
+              <a:t>  - Superior performance (ROC-AUC: 0.94)</a:t>
+            </a:r>
+          </a:p>
+          <a:p>
+            <a:pPr marL="0" indent="0" algn="just">
+              <a:buNone/>
+            </a:pPr>
+            <a:r>
+              <a:rPr dirty="0">
+                <a:latin typeface="Times New Roman" panose="02020603050405020304" pitchFamily="18" charset="0"/>
+                <a:cs typeface="Times New Roman" panose="02020603050405020304" pitchFamily="18" charset="0"/>
+              </a:rPr>
+              <a:t>  - Better recall for fraud detection</a:t>
+            </a:r>
+          </a:p>
+          <a:p>
+            <a:pPr marL="0" indent="0" algn="just">
+              <a:buNone/>
+            </a:pPr>
+            <a:r>
+              <a:rPr dirty="0">
+                <a:latin typeface="Times New Roman" panose="02020603050405020304" pitchFamily="18" charset="0"/>
+                <a:cs typeface="Times New Roman" panose="02020603050405020304" pitchFamily="18" charset="0"/>
+              </a:rPr>
+              <a:t>  - No feature scaling required</a:t>
+            </a:r>
+          </a:p>
+          <a:p>
+            <a:pPr algn="just"/>
+            <a:r>
+              <a:rPr i="1" dirty="0">
+                <a:latin typeface="Times New Roman" panose="02020603050405020304" pitchFamily="18" charset="0"/>
+                <a:cs typeface="Times New Roman" panose="02020603050405020304" pitchFamily="18" charset="0"/>
+              </a:rPr>
+              <a:t>Baseline Model: </a:t>
+            </a:r>
+            <a:r>
+              <a:rPr dirty="0">
+                <a:latin typeface="Times New Roman" panose="02020603050405020304" pitchFamily="18" charset="0"/>
+                <a:cs typeface="Times New Roman" panose="02020603050405020304" pitchFamily="18" charset="0"/>
+              </a:rPr>
+              <a:t>Logistic Regression</a:t>
+            </a:r>
+          </a:p>
+          <a:p>
+            <a:pPr marL="0" indent="0" algn="just">
+              <a:buNone/>
+            </a:pPr>
+            <a:r>
+              <a:rPr dirty="0">
+                <a:latin typeface="Times New Roman" panose="02020603050405020304" pitchFamily="18" charset="0"/>
+                <a:cs typeface="Times New Roman" panose="02020603050405020304" pitchFamily="18" charset="0"/>
+              </a:rPr>
+              <a:t>  - Interpretable results</a:t>
+            </a:r>
+          </a:p>
+          <a:p>
+            <a:pPr marL="0" indent="0" algn="just">
+              <a:buNone/>
+            </a:pPr>
+            <a:r>
+              <a:rPr dirty="0">
+                <a:latin typeface="Times New Roman" panose="02020603050405020304" pitchFamily="18" charset="0"/>
+                <a:cs typeface="Times New Roman" panose="02020603050405020304" pitchFamily="18" charset="0"/>
+              </a:rPr>
+              <a:t>  - Requires </a:t>
+            </a:r>
+            <a:r>
+              <a:rPr dirty="0" err="1">
+                <a:latin typeface="Times New Roman" panose="02020603050405020304" pitchFamily="18" charset="0"/>
+                <a:cs typeface="Times New Roman" panose="02020603050405020304" pitchFamily="18" charset="0"/>
+              </a:rPr>
+              <a:t>StandardScaler</a:t>
+            </a:r>
+            <a:endParaRPr dirty="0">
+              <a:latin typeface="Times New Roman" panose="02020603050405020304" pitchFamily="18" charset="0"/>
+              <a:cs typeface="Times New Roman" panose="02020603050405020304" pitchFamily="18" charset="0"/>
+            </a:endParaRPr>
+          </a:p>
+          <a:p>
+            <a:pPr marL="0" indent="0" algn="just">
+              <a:buNone/>
+            </a:pPr>
+            <a:r>
+              <a:rPr dirty="0">
+                <a:latin typeface="Times New Roman" panose="02020603050405020304" pitchFamily="18" charset="0"/>
+                <a:cs typeface="Times New Roman" panose="02020603050405020304" pitchFamily="18" charset="0"/>
+              </a:rPr>
+              <a:t>  - Used for model comparison</a:t>
+            </a:r>
+          </a:p>
+          <a:p>
+            <a:pPr algn="just"/>
+            <a:r>
+              <a:rPr i="1" dirty="0">
+                <a:latin typeface="Times New Roman" panose="02020603050405020304" pitchFamily="18" charset="0"/>
+                <a:cs typeface="Times New Roman" panose="02020603050405020304" pitchFamily="18" charset="0"/>
+              </a:rPr>
+              <a:t>Selection Criteria: </a:t>
+            </a:r>
+            <a:r>
+              <a:rPr dirty="0">
+                <a:latin typeface="Times New Roman" panose="02020603050405020304" pitchFamily="18" charset="0"/>
+                <a:cs typeface="Times New Roman" panose="02020603050405020304" pitchFamily="18" charset="0"/>
+              </a:rPr>
+              <a:t>Performance, recall, and deployment simplicity</a:t>
             </a:r>
           </a:p>
         </p:txBody>
@@ -3944,7 +4946,7 @@
 </file>
 
 <file path=ppt/slides/slide8.xml><?xml version="1.0" encoding="utf-8"?>
-<p:sld xmlns:a="http://schemas.openxmlformats.org/drawingml/2006/main" xmlns:p="http://schemas.openxmlformats.org/presentationml/2006/main" xmlns:r="http://schemas.openxmlformats.org/officeDocument/2006/relationships">
+<p:sld xmlns:a="http://schemas.openxmlformats.org/drawingml/2006/main" xmlns:r="http://schemas.openxmlformats.org/officeDocument/2006/relationships" xmlns:p="http://schemas.openxmlformats.org/presentationml/2006/main">
   <p:cSld>
     <p:spTree>
       <p:nvGrpSpPr>
@@ -3952,7 +4954,14 @@
         <p:cNvGrpSpPr/>
         <p:nvPr/>
       </p:nvGrpSpPr>
-      <p:grpSpPr/>
+      <p:grpSpPr>
+        <a:xfrm>
+          <a:off x="0" y="0"/>
+          <a:ext cx="0" cy="0"/>
+          <a:chOff x="0" y="0"/>
+          <a:chExt cx="0" cy="0"/>
+        </a:xfrm>
+      </p:grpSpPr>
       <p:sp>
         <p:nvSpPr>
           <p:cNvPr id="2" name="Title 1"/>
@@ -3965,11 +4974,18 @@
         </p:nvSpPr>
         <p:spPr/>
         <p:txBody>
-          <a:bodyPr/>
-          <a:lstStyle/>
-          <a:p>
-            <a:r>
-              <a:t>Your Findings and Conclusions</a:t>
+          <a:bodyPr>
+            <a:normAutofit/>
+          </a:bodyPr>
+          <a:lstStyle/>
+          <a:p>
+            <a:pPr algn="l"/>
+            <a:r>
+              <a:rPr sz="3200" b="1" dirty="0">
+                <a:latin typeface="Times New Roman" panose="02020603050405020304" pitchFamily="18" charset="0"/>
+                <a:cs typeface="Times New Roman" panose="02020603050405020304" pitchFamily="18" charset="0"/>
+              </a:rPr>
+              <a:t>Results</a:t>
             </a:r>
           </a:p>
         </p:txBody>
@@ -3986,41 +5002,124 @@
         </p:nvSpPr>
         <p:spPr/>
         <p:txBody>
-          <a:bodyPr/>
-          <a:lstStyle/>
-          <a:p>
-            <a:r>
-              <a:t>• Successful transition from model development to deployment</a:t>
-            </a:r>
-          </a:p>
-          <a:p>
-            <a:r>
-              <a:t>• Streamlit provides effective platform for ML deployment</a:t>
-            </a:r>
-          </a:p>
-          <a:p>
-            <a:r>
-              <a:t>• User interface enables practical fraud risk assessment</a:t>
-            </a:r>
-          </a:p>
-          <a:p>
-            <a:r>
-              <a:t>• Model performance maintained in production environment</a:t>
-            </a:r>
-          </a:p>
-          <a:p>
-            <a:r>
-              <a:t>• Feedback collection reveals usability and feature improvement opportunities</a:t>
-            </a:r>
-          </a:p>
-          <a:p>
-            <a:r>
-              <a:t>• Complete data science lifecycle demonstrated</a:t>
-            </a:r>
-          </a:p>
-          <a:p>
-            <a:r>
-              <a:t>• Foundation established for iterative model improvements</a:t>
+          <a:bodyPr>
+            <a:normAutofit fontScale="85000" lnSpcReduction="20000"/>
+          </a:bodyPr>
+          <a:lstStyle/>
+          <a:p>
+            <a:r>
+              <a:rPr dirty="0">
+                <a:latin typeface="Times New Roman" panose="02020603050405020304" pitchFamily="18" charset="0"/>
+                <a:cs typeface="Times New Roman" panose="02020603050405020304" pitchFamily="18" charset="0"/>
+              </a:rPr>
+              <a:t>Successful </a:t>
+            </a:r>
+            <a:r>
+              <a:rPr dirty="0" err="1">
+                <a:latin typeface="Times New Roman" panose="02020603050405020304" pitchFamily="18" charset="0"/>
+                <a:cs typeface="Times New Roman" panose="02020603050405020304" pitchFamily="18" charset="0"/>
+              </a:rPr>
+              <a:t>Streamlit</a:t>
+            </a:r>
+            <a:r>
+              <a:rPr dirty="0">
+                <a:latin typeface="Times New Roman" panose="02020603050405020304" pitchFamily="18" charset="0"/>
+                <a:cs typeface="Times New Roman" panose="02020603050405020304" pitchFamily="18" charset="0"/>
+              </a:rPr>
+              <a:t> deployment</a:t>
+            </a:r>
+          </a:p>
+          <a:p>
+            <a:r>
+              <a:rPr dirty="0">
+                <a:latin typeface="Times New Roman" panose="02020603050405020304" pitchFamily="18" charset="0"/>
+                <a:cs typeface="Times New Roman" panose="02020603050405020304" pitchFamily="18" charset="0"/>
+              </a:rPr>
+              <a:t>Web interface accepts 4 key features:</a:t>
+            </a:r>
+          </a:p>
+          <a:p>
+            <a:pPr marL="0" indent="0">
+              <a:buNone/>
+            </a:pPr>
+            <a:r>
+              <a:rPr dirty="0">
+                <a:latin typeface="Times New Roman" panose="02020603050405020304" pitchFamily="18" charset="0"/>
+                <a:cs typeface="Times New Roman" panose="02020603050405020304" pitchFamily="18" charset="0"/>
+              </a:rPr>
+              <a:t>  - Total Transactions</a:t>
+            </a:r>
+          </a:p>
+          <a:p>
+            <a:pPr marL="0" indent="0">
+              <a:buNone/>
+            </a:pPr>
+            <a:r>
+              <a:rPr dirty="0">
+                <a:latin typeface="Times New Roman" panose="02020603050405020304" pitchFamily="18" charset="0"/>
+                <a:cs typeface="Times New Roman" panose="02020603050405020304" pitchFamily="18" charset="0"/>
+              </a:rPr>
+              <a:t>  - Total ETH Received</a:t>
+            </a:r>
+          </a:p>
+          <a:p>
+            <a:pPr marL="0" indent="0">
+              <a:buNone/>
+            </a:pPr>
+            <a:r>
+              <a:rPr dirty="0">
+                <a:latin typeface="Times New Roman" panose="02020603050405020304" pitchFamily="18" charset="0"/>
+                <a:cs typeface="Times New Roman" panose="02020603050405020304" pitchFamily="18" charset="0"/>
+              </a:rPr>
+              <a:t>  - Average Transaction Value</a:t>
+            </a:r>
+          </a:p>
+          <a:p>
+            <a:pPr marL="0" indent="0">
+              <a:buNone/>
+            </a:pPr>
+            <a:r>
+              <a:rPr dirty="0">
+                <a:latin typeface="Times New Roman" panose="02020603050405020304" pitchFamily="18" charset="0"/>
+                <a:cs typeface="Times New Roman" panose="02020603050405020304" pitchFamily="18" charset="0"/>
+              </a:rPr>
+              <a:t>  - Number of ERC20 Tokens</a:t>
+            </a:r>
+          </a:p>
+          <a:p>
+            <a:r>
+              <a:rPr dirty="0">
+                <a:latin typeface="Times New Roman" panose="02020603050405020304" pitchFamily="18" charset="0"/>
+                <a:cs typeface="Times New Roman" panose="02020603050405020304" pitchFamily="18" charset="0"/>
+              </a:rPr>
+              <a:t>Real-time predictions with probability scores</a:t>
+            </a:r>
+          </a:p>
+          <a:p>
+            <a:r>
+              <a:rPr dirty="0">
+                <a:latin typeface="Times New Roman" panose="02020603050405020304" pitchFamily="18" charset="0"/>
+                <a:cs typeface="Times New Roman" panose="02020603050405020304" pitchFamily="18" charset="0"/>
+              </a:rPr>
+              <a:t>Risk visualization with progress bars</a:t>
+            </a:r>
+          </a:p>
+          <a:p>
+            <a:r>
+              <a:rPr dirty="0">
+                <a:latin typeface="Times New Roman" panose="02020603050405020304" pitchFamily="18" charset="0"/>
+                <a:cs typeface="Times New Roman" panose="02020603050405020304" pitchFamily="18" charset="0"/>
+              </a:rPr>
+              <a:t>Model comparison table (RF vs LR)</a:t>
+            </a:r>
+          </a:p>
+          <a:p>
+            <a:r>
+              <a:rPr dirty="0">
+                <a:latin typeface="Times New Roman" panose="02020603050405020304" pitchFamily="18" charset="0"/>
+                <a:cs typeface="Times New Roman" panose="02020603050405020304" pitchFamily="18" charset="0"/>
+              </a:rPr>
+              <a:t>Application ready for local execution</a:t>
             </a:r>
           </a:p>
         </p:txBody>
@@ -4034,7 +5133,7 @@
 </file>
 
 <file path=ppt/slides/slide9.xml><?xml version="1.0" encoding="utf-8"?>
-<p:sld xmlns:a="http://schemas.openxmlformats.org/drawingml/2006/main" xmlns:p="http://schemas.openxmlformats.org/presentationml/2006/main" xmlns:r="http://schemas.openxmlformats.org/officeDocument/2006/relationships">
+<p:sld xmlns:a="http://schemas.openxmlformats.org/drawingml/2006/main" xmlns:r="http://schemas.openxmlformats.org/officeDocument/2006/relationships" xmlns:p="http://schemas.openxmlformats.org/presentationml/2006/main">
   <p:cSld>
     <p:spTree>
       <p:nvGrpSpPr>
@@ -4042,7 +5141,14 @@
         <p:cNvGrpSpPr/>
         <p:nvPr/>
       </p:nvGrpSpPr>
-      <p:grpSpPr/>
+      <p:grpSpPr>
+        <a:xfrm>
+          <a:off x="0" y="0"/>
+          <a:ext cx="0" cy="0"/>
+          <a:chOff x="0" y="0"/>
+          <a:chExt cx="0" cy="0"/>
+        </a:xfrm>
+      </p:grpSpPr>
       <p:sp>
         <p:nvSpPr>
           <p:cNvPr id="2" name="Title 1"/>
@@ -4055,11 +5161,18 @@
         </p:nvSpPr>
         <p:spPr/>
         <p:txBody>
-          <a:bodyPr/>
-          <a:lstStyle/>
-          <a:p>
-            <a:r>
-              <a:t>Deployment Strategy</a:t>
+          <a:bodyPr>
+            <a:normAutofit/>
+          </a:bodyPr>
+          <a:lstStyle/>
+          <a:p>
+            <a:pPr algn="l"/>
+            <a:r>
+              <a:rPr sz="3200" b="1" dirty="0">
+                <a:latin typeface="Times New Roman" panose="02020603050405020304" pitchFamily="18" charset="0"/>
+                <a:cs typeface="Times New Roman" panose="02020603050405020304" pitchFamily="18" charset="0"/>
+              </a:rPr>
+              <a:t>Findings and Conclusions</a:t>
             </a:r>
           </a:p>
         </p:txBody>
@@ -4076,41 +5189,85 @@
         </p:nvSpPr>
         <p:spPr/>
         <p:txBody>
-          <a:bodyPr/>
-          <a:lstStyle/>
-          <a:p>
-            <a:r>
-              <a:t>• Local Streamlit Application</a:t>
-            </a:r>
-          </a:p>
-          <a:p>
-            <a:r>
-              <a:t>• Command: streamlit run app.py</a:t>
-            </a:r>
-          </a:p>
-          <a:p>
-            <a:r>
-              <a:t>• User Interface: Web-based form for input</a:t>
-            </a:r>
-          </a:p>
-          <a:p>
-            <a:r>
-              <a:t>• Real-time Processing: Immediate prediction results</a:t>
-            </a:r>
-          </a:p>
-          <a:p>
-            <a:r>
-              <a:t>• Model Serialization: Pickle format for model persistence</a:t>
-            </a:r>
-          </a:p>
-          <a:p>
-            <a:r>
-              <a:t>• Scalability: Suitable for academic and small-scale production use</a:t>
-            </a:r>
-          </a:p>
-          <a:p>
-            <a:r>
-              <a:t>• Future: Could extend to cloud deployment (Heroku, AWS)</a:t>
+          <a:bodyPr>
+            <a:normAutofit fontScale="77500" lnSpcReduction="20000"/>
+          </a:bodyPr>
+          <a:lstStyle/>
+          <a:p>
+            <a:pPr algn="just"/>
+            <a:r>
+              <a:rPr dirty="0">
+                <a:latin typeface="Times New Roman" panose="02020603050405020304" pitchFamily="18" charset="0"/>
+                <a:cs typeface="Times New Roman" panose="02020603050405020304" pitchFamily="18" charset="0"/>
+              </a:rPr>
+              <a:t>Successful transition from model development to deployment</a:t>
+            </a:r>
+          </a:p>
+          <a:p>
+            <a:pPr algn="just"/>
+            <a:r>
+              <a:rPr dirty="0" err="1">
+                <a:latin typeface="Times New Roman" panose="02020603050405020304" pitchFamily="18" charset="0"/>
+                <a:cs typeface="Times New Roman" panose="02020603050405020304" pitchFamily="18" charset="0"/>
+              </a:rPr>
+              <a:t>Streamlit</a:t>
+            </a:r>
+            <a:r>
+              <a:rPr dirty="0">
+                <a:latin typeface="Times New Roman" panose="02020603050405020304" pitchFamily="18" charset="0"/>
+                <a:cs typeface="Times New Roman" panose="02020603050405020304" pitchFamily="18" charset="0"/>
+              </a:rPr>
+              <a:t> provides effective platform for ML deployment</a:t>
+            </a:r>
+          </a:p>
+          <a:p>
+            <a:pPr algn="just"/>
+            <a:r>
+              <a:rPr dirty="0">
+                <a:latin typeface="Times New Roman" panose="02020603050405020304" pitchFamily="18" charset="0"/>
+                <a:cs typeface="Times New Roman" panose="02020603050405020304" pitchFamily="18" charset="0"/>
+              </a:rPr>
+              <a:t>User interface enables practical fraud risk assessment</a:t>
+            </a:r>
+          </a:p>
+          <a:p>
+            <a:pPr algn="just"/>
+            <a:r>
+              <a:rPr dirty="0">
+                <a:latin typeface="Times New Roman" panose="02020603050405020304" pitchFamily="18" charset="0"/>
+                <a:cs typeface="Times New Roman" panose="02020603050405020304" pitchFamily="18" charset="0"/>
+              </a:rPr>
+              <a:t>Model performance maintained in production environment</a:t>
+            </a:r>
+          </a:p>
+          <a:p>
+            <a:pPr algn="just"/>
+            <a:r>
+              <a:rPr dirty="0">
+                <a:latin typeface="Times New Roman" panose="02020603050405020304" pitchFamily="18" charset="0"/>
+                <a:cs typeface="Times New Roman" panose="02020603050405020304" pitchFamily="18" charset="0"/>
+              </a:rPr>
+              <a:t>Feedback collection reveals usability and feature improvement opportunities</a:t>
+            </a:r>
+          </a:p>
+          <a:p>
+            <a:pPr algn="just"/>
+            <a:r>
+              <a:rPr dirty="0">
+                <a:latin typeface="Times New Roman" panose="02020603050405020304" pitchFamily="18" charset="0"/>
+                <a:cs typeface="Times New Roman" panose="02020603050405020304" pitchFamily="18" charset="0"/>
+              </a:rPr>
+              <a:t>Complete data science lifecycle demonstrated</a:t>
+            </a:r>
+          </a:p>
+          <a:p>
+            <a:pPr algn="just"/>
+            <a:r>
+              <a:rPr dirty="0">
+                <a:latin typeface="Times New Roman" panose="02020603050405020304" pitchFamily="18" charset="0"/>
+                <a:cs typeface="Times New Roman" panose="02020603050405020304" pitchFamily="18" charset="0"/>
+              </a:rPr>
+              <a:t>Foundation established for iterative model improvements</a:t>
             </a:r>
           </a:p>
         </p:txBody>
